--- a/homepage2022/Document/강의/4주차/4주차 수업자료.pptx
+++ b/homepage2022/Document/강의/4주차/4주차 수업자료.pptx
@@ -5,9 +5,10 @@
     <p:sldMasterId id="2147483648" r:id="rId1"/>
   </p:sldMasterIdLst>
   <p:sldIdLst>
-    <p:sldId id="261" r:id="rId2"/>
-    <p:sldId id="260" r:id="rId3"/>
-    <p:sldId id="262" r:id="rId4"/>
+    <p:sldId id="260" r:id="rId2"/>
+    <p:sldId id="263" r:id="rId3"/>
+    <p:sldId id="261" r:id="rId4"/>
+    <p:sldId id="262" r:id="rId5"/>
   </p:sldIdLst>
   <p:sldSz cx="12192000" cy="6858000"/>
   <p:notesSz cx="6858000" cy="9144000"/>
@@ -3330,10 +3331,10 @@
       </p:grpSpPr>
       <p:sp>
         <p:nvSpPr>
-          <p:cNvPr id="4" name="직사각형 3">
-            <a:extLst>
-              <a:ext uri="{FF2B5EF4-FFF2-40B4-BE49-F238E27FC236}">
-                <a16:creationId xmlns:a16="http://schemas.microsoft.com/office/drawing/2014/main" id="{9DAE012D-F0B3-4044-9D19-11F27813A93E}"/>
+          <p:cNvPr id="2" name="직사각형 1">
+            <a:extLst>
+              <a:ext uri="{FF2B5EF4-FFF2-40B4-BE49-F238E27FC236}">
+                <a16:creationId xmlns:a16="http://schemas.microsoft.com/office/drawing/2014/main" id="{0B421C94-72C3-4927-96F5-DECFEFE23CBE}"/>
               </a:ext>
             </a:extLst>
           </p:cNvPr>
@@ -3342,8 +3343,8 @@
         </p:nvSpPr>
         <p:spPr>
           <a:xfrm>
-            <a:off x="575387" y="380151"/>
-            <a:ext cx="9156441" cy="3416320"/>
+            <a:off x="0" y="58847"/>
+            <a:ext cx="12192000" cy="4278094"/>
           </a:xfrm>
           <a:prstGeom prst="rect">
             <a:avLst/>
@@ -3356,239 +3357,1070 @@
           <a:lstStyle/>
           <a:p>
             <a:r>
-              <a:rPr lang="en-US" altLang="ko-KR" dirty="0">
-                <a:solidFill>
-                  <a:srgbClr val="83786E"/>
-                </a:solidFill>
-                <a:latin typeface="Consolas" panose="020B0609020204030204" pitchFamily="49" charset="0"/>
-              </a:rPr>
-              <a:t>&lt;!-- Validator --&gt;</a:t>
-            </a:r>
-          </a:p>
-          <a:p>
-            <a:r>
-              <a:rPr lang="en-US" altLang="ko-KR" dirty="0">
-                <a:latin typeface="Consolas" panose="020B0609020204030204" pitchFamily="49" charset="0"/>
-              </a:rPr>
-              <a:t>&lt;dependency&gt;</a:t>
-            </a:r>
-          </a:p>
-          <a:p>
-            <a:r>
-              <a:rPr lang="en-US" altLang="ko-KR" dirty="0">
-                <a:latin typeface="Consolas" panose="020B0609020204030204" pitchFamily="49" charset="0"/>
-              </a:rPr>
-              <a:t>	&lt;</a:t>
-            </a:r>
-            <a:r>
-              <a:rPr lang="en-US" altLang="ko-KR" dirty="0" err="1">
-                <a:latin typeface="Consolas" panose="020B0609020204030204" pitchFamily="49" charset="0"/>
-              </a:rPr>
-              <a:t>groupId</a:t>
-            </a:r>
-            <a:r>
-              <a:rPr lang="en-US" altLang="ko-KR" dirty="0">
-                <a:latin typeface="Consolas" panose="020B0609020204030204" pitchFamily="49" charset="0"/>
-              </a:rPr>
-              <a:t>&gt;</a:t>
-            </a:r>
-            <a:r>
-              <a:rPr lang="en-US" altLang="ko-KR" dirty="0" err="1">
-                <a:latin typeface="Consolas" panose="020B0609020204030204" pitchFamily="49" charset="0"/>
-              </a:rPr>
-              <a:t>javax.validation</a:t>
-            </a:r>
-            <a:r>
-              <a:rPr lang="en-US" altLang="ko-KR" dirty="0">
-                <a:latin typeface="Consolas" panose="020B0609020204030204" pitchFamily="49" charset="0"/>
-              </a:rPr>
-              <a:t>&lt;/</a:t>
-            </a:r>
-            <a:r>
-              <a:rPr lang="en-US" altLang="ko-KR" dirty="0" err="1">
-                <a:latin typeface="Consolas" panose="020B0609020204030204" pitchFamily="49" charset="0"/>
-              </a:rPr>
-              <a:t>groupId</a:t>
-            </a:r>
-            <a:r>
-              <a:rPr lang="en-US" altLang="ko-KR" dirty="0">
-                <a:latin typeface="Consolas" panose="020B0609020204030204" pitchFamily="49" charset="0"/>
-              </a:rPr>
-              <a:t>&gt;</a:t>
-            </a:r>
-          </a:p>
-          <a:p>
-            <a:r>
-              <a:rPr lang="en-US" altLang="ko-KR" dirty="0">
-                <a:latin typeface="Consolas" panose="020B0609020204030204" pitchFamily="49" charset="0"/>
-              </a:rPr>
-              <a:t>	&lt;</a:t>
-            </a:r>
-            <a:r>
-              <a:rPr lang="en-US" altLang="ko-KR" dirty="0" err="1">
-                <a:latin typeface="Consolas" panose="020B0609020204030204" pitchFamily="49" charset="0"/>
-              </a:rPr>
-              <a:t>artifactId</a:t>
-            </a:r>
-            <a:r>
-              <a:rPr lang="en-US" altLang="ko-KR" dirty="0">
-                <a:latin typeface="Consolas" panose="020B0609020204030204" pitchFamily="49" charset="0"/>
-              </a:rPr>
-              <a:t>&gt;validation-</a:t>
-            </a:r>
-            <a:r>
-              <a:rPr lang="en-US" altLang="ko-KR" dirty="0" err="1">
-                <a:latin typeface="Consolas" panose="020B0609020204030204" pitchFamily="49" charset="0"/>
-              </a:rPr>
-              <a:t>api</a:t>
-            </a:r>
-            <a:r>
-              <a:rPr lang="en-US" altLang="ko-KR" dirty="0">
-                <a:latin typeface="Consolas" panose="020B0609020204030204" pitchFamily="49" charset="0"/>
-              </a:rPr>
-              <a:t>&lt;/</a:t>
-            </a:r>
-            <a:r>
-              <a:rPr lang="en-US" altLang="ko-KR" dirty="0" err="1">
-                <a:latin typeface="Consolas" panose="020B0609020204030204" pitchFamily="49" charset="0"/>
-              </a:rPr>
-              <a:t>artifactId</a:t>
-            </a:r>
-            <a:r>
-              <a:rPr lang="en-US" altLang="ko-KR" dirty="0">
-                <a:latin typeface="Consolas" panose="020B0609020204030204" pitchFamily="49" charset="0"/>
-              </a:rPr>
-              <a:t>&gt;</a:t>
-            </a:r>
-          </a:p>
-          <a:p>
-            <a:r>
-              <a:rPr lang="en-US" altLang="ko-KR" dirty="0">
-                <a:latin typeface="Consolas" panose="020B0609020204030204" pitchFamily="49" charset="0"/>
-              </a:rPr>
-              <a:t>	&lt;version&gt;1.1.0.Final&lt;/version&gt;</a:t>
-            </a:r>
-          </a:p>
-          <a:p>
-            <a:r>
-              <a:rPr lang="en-US" altLang="ko-KR" dirty="0">
-                <a:latin typeface="Consolas" panose="020B0609020204030204" pitchFamily="49" charset="0"/>
-              </a:rPr>
-              <a:t>&lt;/dependency&gt;</a:t>
-            </a:r>
-          </a:p>
-          <a:p>
-            <a:endParaRPr lang="ko-KR" altLang="en-US" dirty="0">
-              <a:latin typeface="Consolas" panose="020B0609020204030204" pitchFamily="49" charset="0"/>
+              <a:rPr lang="en-US" altLang="ko-KR" sz="1600" dirty="0">
+                <a:solidFill>
+                  <a:srgbClr val="000000"/>
+                </a:solidFill>
+                <a:latin typeface="Courier New" panose="02070309020205020404" pitchFamily="49" charset="0"/>
+              </a:rPr>
+              <a:t>-- </a:t>
+            </a:r>
+            <a:r>
+              <a:rPr lang="ko-KR" altLang="en-US" sz="1600" dirty="0">
+                <a:solidFill>
+                  <a:srgbClr val="000000"/>
+                </a:solidFill>
+                <a:latin typeface="Courier New" panose="02070309020205020404" pitchFamily="49" charset="0"/>
+              </a:rPr>
+              <a:t>테이블 생성</a:t>
+            </a:r>
+          </a:p>
+          <a:p>
+            <a:r>
+              <a:rPr lang="en-US" altLang="ko-KR" sz="1600" dirty="0">
+                <a:solidFill>
+                  <a:srgbClr val="0000FF"/>
+                </a:solidFill>
+                <a:latin typeface="Courier New" panose="02070309020205020404" pitchFamily="49" charset="0"/>
+              </a:rPr>
+              <a:t>CREATE</a:t>
+            </a:r>
+            <a:r>
+              <a:rPr lang="en-US" altLang="ko-KR" sz="1600" dirty="0">
+                <a:solidFill>
+                  <a:srgbClr val="000000"/>
+                </a:solidFill>
+                <a:latin typeface="Courier New" panose="02070309020205020404" pitchFamily="49" charset="0"/>
+              </a:rPr>
+              <a:t> </a:t>
+            </a:r>
+            <a:r>
+              <a:rPr lang="en-US" altLang="ko-KR" sz="1600" dirty="0">
+                <a:solidFill>
+                  <a:srgbClr val="0000FF"/>
+                </a:solidFill>
+                <a:latin typeface="Courier New" panose="02070309020205020404" pitchFamily="49" charset="0"/>
+              </a:rPr>
+              <a:t>TABLE</a:t>
+            </a:r>
+            <a:r>
+              <a:rPr lang="en-US" altLang="ko-KR" sz="1600" dirty="0">
+                <a:solidFill>
+                  <a:srgbClr val="000000"/>
+                </a:solidFill>
+                <a:latin typeface="Courier New" panose="02070309020205020404" pitchFamily="49" charset="0"/>
+              </a:rPr>
+              <a:t> LETTEMP</a:t>
+            </a:r>
+          </a:p>
+          <a:p>
+            <a:r>
+              <a:rPr lang="en-US" altLang="ko-KR" sz="1600" dirty="0">
+                <a:solidFill>
+                  <a:srgbClr val="000000"/>
+                </a:solidFill>
+                <a:latin typeface="Courier New" panose="02070309020205020404" pitchFamily="49" charset="0"/>
+              </a:rPr>
+              <a:t>(</a:t>
+            </a:r>
+          </a:p>
+          <a:p>
+            <a:r>
+              <a:rPr lang="en-US" altLang="ko-KR" sz="1600" dirty="0">
+                <a:solidFill>
+                  <a:srgbClr val="000000"/>
+                </a:solidFill>
+                <a:latin typeface="Courier New" panose="02070309020205020404" pitchFamily="49" charset="0"/>
+              </a:rPr>
+              <a:t>TEMP_ID              </a:t>
+            </a:r>
+            <a:r>
+              <a:rPr lang="en-US" altLang="ko-KR" sz="1600" b="1" dirty="0">
+                <a:solidFill>
+                  <a:srgbClr val="000000"/>
+                </a:solidFill>
+                <a:latin typeface="Courier New" panose="02070309020205020404" pitchFamily="49" charset="0"/>
+              </a:rPr>
+              <a:t>INTEGER</a:t>
+            </a:r>
+            <a:r>
+              <a:rPr lang="en-US" altLang="ko-KR" sz="1600" dirty="0">
+                <a:solidFill>
+                  <a:srgbClr val="000000"/>
+                </a:solidFill>
+                <a:latin typeface="Courier New" panose="02070309020205020404" pitchFamily="49" charset="0"/>
+              </a:rPr>
+              <a:t> </a:t>
+            </a:r>
+            <a:r>
+              <a:rPr lang="en-US" altLang="ko-KR" sz="1600" dirty="0">
+                <a:solidFill>
+                  <a:srgbClr val="0000FF"/>
+                </a:solidFill>
+                <a:latin typeface="Courier New" panose="02070309020205020404" pitchFamily="49" charset="0"/>
+              </a:rPr>
+              <a:t>NOT</a:t>
+            </a:r>
+            <a:r>
+              <a:rPr lang="en-US" altLang="ko-KR" sz="1600" dirty="0">
+                <a:solidFill>
+                  <a:srgbClr val="000000"/>
+                </a:solidFill>
+                <a:latin typeface="Courier New" panose="02070309020205020404" pitchFamily="49" charset="0"/>
+              </a:rPr>
+              <a:t> </a:t>
+            </a:r>
+            <a:r>
+              <a:rPr lang="en-US" altLang="ko-KR" sz="1600" dirty="0">
+                <a:solidFill>
+                  <a:srgbClr val="0000FF"/>
+                </a:solidFill>
+                <a:latin typeface="Courier New" panose="02070309020205020404" pitchFamily="49" charset="0"/>
+              </a:rPr>
+              <a:t>NULL</a:t>
+            </a:r>
+            <a:r>
+              <a:rPr lang="en-US" altLang="ko-KR" sz="1600" dirty="0">
+                <a:solidFill>
+                  <a:srgbClr val="000000"/>
+                </a:solidFill>
+                <a:latin typeface="Courier New" panose="02070309020205020404" pitchFamily="49" charset="0"/>
+              </a:rPr>
+              <a:t>,</a:t>
+            </a:r>
+          </a:p>
+          <a:p>
+            <a:r>
+              <a:rPr lang="sv-SE" altLang="ko-KR" sz="1600" dirty="0">
+                <a:solidFill>
+                  <a:srgbClr val="000000"/>
+                </a:solidFill>
+                <a:latin typeface="Courier New" panose="02070309020205020404" pitchFamily="49" charset="0"/>
+              </a:rPr>
+              <a:t>  TEMP_VAL             </a:t>
+            </a:r>
+            <a:r>
+              <a:rPr lang="sv-SE" altLang="ko-KR" sz="1600" b="1" dirty="0">
+                <a:solidFill>
+                  <a:srgbClr val="000000"/>
+                </a:solidFill>
+                <a:latin typeface="Courier New" panose="02070309020205020404" pitchFamily="49" charset="0"/>
+              </a:rPr>
+              <a:t>VARCHAR</a:t>
+            </a:r>
+            <a:r>
+              <a:rPr lang="sv-SE" altLang="ko-KR" sz="1600" dirty="0">
+                <a:solidFill>
+                  <a:srgbClr val="000000"/>
+                </a:solidFill>
+                <a:latin typeface="Courier New" panose="02070309020205020404" pitchFamily="49" charset="0"/>
+              </a:rPr>
+              <a:t>(</a:t>
+            </a:r>
+            <a:r>
+              <a:rPr lang="sv-SE" altLang="ko-KR" sz="1600" b="1" dirty="0">
+                <a:solidFill>
+                  <a:srgbClr val="800000"/>
+                </a:solidFill>
+                <a:latin typeface="Courier New" panose="02070309020205020404" pitchFamily="49" charset="0"/>
+              </a:rPr>
+              <a:t>100</a:t>
+            </a:r>
+            <a:r>
+              <a:rPr lang="sv-SE" altLang="ko-KR" sz="1600" dirty="0">
+                <a:solidFill>
+                  <a:srgbClr val="000000"/>
+                </a:solidFill>
+                <a:latin typeface="Courier New" panose="02070309020205020404" pitchFamily="49" charset="0"/>
+              </a:rPr>
+              <a:t>) </a:t>
+            </a:r>
+            <a:r>
+              <a:rPr lang="sv-SE" altLang="ko-KR" sz="1600" dirty="0">
+                <a:solidFill>
+                  <a:srgbClr val="0000FF"/>
+                </a:solidFill>
+                <a:latin typeface="Courier New" panose="02070309020205020404" pitchFamily="49" charset="0"/>
+              </a:rPr>
+              <a:t>NULL</a:t>
+            </a:r>
+            <a:endParaRPr lang="sv-SE" altLang="ko-KR" sz="1600" dirty="0">
+              <a:solidFill>
+                <a:srgbClr val="000000"/>
+              </a:solidFill>
+              <a:latin typeface="Courier New" panose="02070309020205020404" pitchFamily="49" charset="0"/>
             </a:endParaRPr>
           </a:p>
           <a:p>
             <a:r>
-              <a:rPr lang="en-US" altLang="ko-KR" dirty="0">
-                <a:latin typeface="Consolas" panose="020B0609020204030204" pitchFamily="49" charset="0"/>
-              </a:rPr>
-              <a:t>&lt;dependency&gt;</a:t>
-            </a:r>
-          </a:p>
-          <a:p>
-            <a:r>
-              <a:rPr lang="en-US" altLang="ko-KR" dirty="0">
-                <a:latin typeface="Consolas" panose="020B0609020204030204" pitchFamily="49" charset="0"/>
-              </a:rPr>
-              <a:t>	&lt;</a:t>
-            </a:r>
-            <a:r>
-              <a:rPr lang="en-US" altLang="ko-KR" dirty="0" err="1">
-                <a:latin typeface="Consolas" panose="020B0609020204030204" pitchFamily="49" charset="0"/>
-              </a:rPr>
-              <a:t>groupId</a:t>
-            </a:r>
-            <a:r>
-              <a:rPr lang="en-US" altLang="ko-KR" dirty="0">
-                <a:latin typeface="Consolas" panose="020B0609020204030204" pitchFamily="49" charset="0"/>
-              </a:rPr>
-              <a:t>&gt;</a:t>
-            </a:r>
-            <a:r>
-              <a:rPr lang="en-US" altLang="ko-KR" dirty="0" err="1">
-                <a:latin typeface="Consolas" panose="020B0609020204030204" pitchFamily="49" charset="0"/>
-              </a:rPr>
-              <a:t>org.hibernate</a:t>
-            </a:r>
-            <a:r>
-              <a:rPr lang="en-US" altLang="ko-KR" dirty="0">
-                <a:latin typeface="Consolas" panose="020B0609020204030204" pitchFamily="49" charset="0"/>
-              </a:rPr>
-              <a:t>&lt;/</a:t>
-            </a:r>
-            <a:r>
-              <a:rPr lang="en-US" altLang="ko-KR" dirty="0" err="1">
-                <a:latin typeface="Consolas" panose="020B0609020204030204" pitchFamily="49" charset="0"/>
-              </a:rPr>
-              <a:t>groupId</a:t>
-            </a:r>
-            <a:r>
-              <a:rPr lang="en-US" altLang="ko-KR" dirty="0">
-                <a:latin typeface="Consolas" panose="020B0609020204030204" pitchFamily="49" charset="0"/>
-              </a:rPr>
-              <a:t>&gt;</a:t>
-            </a:r>
-          </a:p>
-          <a:p>
-            <a:r>
-              <a:rPr lang="en-US" altLang="ko-KR" dirty="0">
-                <a:latin typeface="Consolas" panose="020B0609020204030204" pitchFamily="49" charset="0"/>
-              </a:rPr>
-              <a:t>	&lt;</a:t>
-            </a:r>
-            <a:r>
-              <a:rPr lang="en-US" altLang="ko-KR" dirty="0" err="1">
-                <a:latin typeface="Consolas" panose="020B0609020204030204" pitchFamily="49" charset="0"/>
-              </a:rPr>
-              <a:t>artifactId</a:t>
-            </a:r>
-            <a:r>
-              <a:rPr lang="en-US" altLang="ko-KR" dirty="0">
-                <a:latin typeface="Consolas" panose="020B0609020204030204" pitchFamily="49" charset="0"/>
-              </a:rPr>
-              <a:t>&gt;hibernate-validator&lt;/</a:t>
-            </a:r>
-            <a:r>
-              <a:rPr lang="en-US" altLang="ko-KR" dirty="0" err="1">
-                <a:latin typeface="Consolas" panose="020B0609020204030204" pitchFamily="49" charset="0"/>
-              </a:rPr>
-              <a:t>artifactId</a:t>
-            </a:r>
-            <a:r>
-              <a:rPr lang="en-US" altLang="ko-KR" dirty="0">
-                <a:latin typeface="Consolas" panose="020B0609020204030204" pitchFamily="49" charset="0"/>
-              </a:rPr>
-              <a:t>&gt;</a:t>
-            </a:r>
-          </a:p>
-          <a:p>
-            <a:r>
-              <a:rPr lang="en-US" altLang="ko-KR" dirty="0">
-                <a:latin typeface="Consolas" panose="020B0609020204030204" pitchFamily="49" charset="0"/>
-              </a:rPr>
-              <a:t>       &lt;version&gt;5.2.4.Final&lt;/version&gt;</a:t>
-            </a:r>
-          </a:p>
-          <a:p>
-            <a:r>
-              <a:rPr lang="en-US" altLang="ko-KR" dirty="0">
-                <a:latin typeface="Consolas" panose="020B0609020204030204" pitchFamily="49" charset="0"/>
-              </a:rPr>
-              <a:t>&lt;/dependency&gt;</a:t>
-            </a:r>
-            <a:endParaRPr lang="ko-KR" altLang="en-US" dirty="0"/>
+              <a:rPr lang="en-US" altLang="ko-KR" sz="1600" dirty="0">
+                <a:solidFill>
+                  <a:srgbClr val="000000"/>
+                </a:solidFill>
+                <a:latin typeface="Courier New" panose="02070309020205020404" pitchFamily="49" charset="0"/>
+              </a:rPr>
+              <a:t>)</a:t>
+            </a:r>
+            <a:r>
+              <a:rPr lang="en-US" altLang="ko-KR" sz="1600" dirty="0">
+                <a:solidFill>
+                  <a:srgbClr val="808080"/>
+                </a:solidFill>
+                <a:latin typeface="Courier New" panose="02070309020205020404" pitchFamily="49" charset="0"/>
+              </a:rPr>
+              <a:t>;</a:t>
+            </a:r>
+            <a:endParaRPr lang="ko-KR" altLang="en-US" sz="1600" dirty="0">
+              <a:solidFill>
+                <a:srgbClr val="000000"/>
+              </a:solidFill>
+              <a:latin typeface="Courier New" panose="02070309020205020404" pitchFamily="49" charset="0"/>
+            </a:endParaRPr>
+          </a:p>
+          <a:p>
+            <a:endParaRPr lang="ko-KR" altLang="en-US" sz="1600" dirty="0">
+              <a:solidFill>
+                <a:srgbClr val="000000"/>
+              </a:solidFill>
+              <a:latin typeface="Courier New" panose="02070309020205020404" pitchFamily="49" charset="0"/>
+            </a:endParaRPr>
+          </a:p>
+          <a:p>
+            <a:r>
+              <a:rPr lang="en-US" altLang="ko-KR" sz="1600" dirty="0">
+                <a:solidFill>
+                  <a:srgbClr val="0000FF"/>
+                </a:solidFill>
+                <a:latin typeface="Courier New" panose="02070309020205020404" pitchFamily="49" charset="0"/>
+              </a:rPr>
+              <a:t>ALTER</a:t>
+            </a:r>
+            <a:r>
+              <a:rPr lang="en-US" altLang="ko-KR" sz="1600" dirty="0">
+                <a:solidFill>
+                  <a:srgbClr val="000000"/>
+                </a:solidFill>
+                <a:latin typeface="Courier New" panose="02070309020205020404" pitchFamily="49" charset="0"/>
+              </a:rPr>
+              <a:t> </a:t>
+            </a:r>
+            <a:r>
+              <a:rPr lang="en-US" altLang="ko-KR" sz="1600" dirty="0">
+                <a:solidFill>
+                  <a:srgbClr val="0000FF"/>
+                </a:solidFill>
+                <a:latin typeface="Courier New" panose="02070309020205020404" pitchFamily="49" charset="0"/>
+              </a:rPr>
+              <a:t>TABLE</a:t>
+            </a:r>
+            <a:r>
+              <a:rPr lang="en-US" altLang="ko-KR" sz="1600" dirty="0">
+                <a:solidFill>
+                  <a:srgbClr val="000000"/>
+                </a:solidFill>
+                <a:latin typeface="Courier New" panose="02070309020205020404" pitchFamily="49" charset="0"/>
+              </a:rPr>
+              <a:t> LETTEMP</a:t>
+            </a:r>
+          </a:p>
+          <a:p>
+            <a:r>
+              <a:rPr lang="en-US" altLang="ko-KR" sz="1600" dirty="0">
+                <a:solidFill>
+                  <a:srgbClr val="0000FF"/>
+                </a:solidFill>
+                <a:latin typeface="Courier New" panose="02070309020205020404" pitchFamily="49" charset="0"/>
+              </a:rPr>
+              <a:t>ADD</a:t>
+            </a:r>
+            <a:r>
+              <a:rPr lang="en-US" altLang="ko-KR" sz="1600" dirty="0">
+                <a:solidFill>
+                  <a:srgbClr val="000000"/>
+                </a:solidFill>
+                <a:latin typeface="Courier New" panose="02070309020205020404" pitchFamily="49" charset="0"/>
+              </a:rPr>
+              <a:t> </a:t>
+            </a:r>
+            <a:r>
+              <a:rPr lang="en-US" altLang="ko-KR" sz="1600" dirty="0">
+                <a:solidFill>
+                  <a:srgbClr val="0000FF"/>
+                </a:solidFill>
+                <a:latin typeface="Courier New" panose="02070309020205020404" pitchFamily="49" charset="0"/>
+              </a:rPr>
+              <a:t>PRIMARY</a:t>
+            </a:r>
+            <a:r>
+              <a:rPr lang="en-US" altLang="ko-KR" sz="1600" dirty="0">
+                <a:solidFill>
+                  <a:srgbClr val="000000"/>
+                </a:solidFill>
+                <a:latin typeface="Courier New" panose="02070309020205020404" pitchFamily="49" charset="0"/>
+              </a:rPr>
+              <a:t> </a:t>
+            </a:r>
+            <a:r>
+              <a:rPr lang="en-US" altLang="ko-KR" sz="1600" dirty="0">
+                <a:solidFill>
+                  <a:srgbClr val="0000FF"/>
+                </a:solidFill>
+                <a:latin typeface="Courier New" panose="02070309020205020404" pitchFamily="49" charset="0"/>
+              </a:rPr>
+              <a:t>KEY</a:t>
+            </a:r>
+            <a:r>
+              <a:rPr lang="en-US" altLang="ko-KR" sz="1600" dirty="0">
+                <a:solidFill>
+                  <a:srgbClr val="000000"/>
+                </a:solidFill>
+                <a:latin typeface="Courier New" panose="02070309020205020404" pitchFamily="49" charset="0"/>
+              </a:rPr>
+              <a:t> (TEMP_ID)</a:t>
+            </a:r>
+            <a:r>
+              <a:rPr lang="en-US" altLang="ko-KR" sz="1600" dirty="0">
+                <a:solidFill>
+                  <a:srgbClr val="808080"/>
+                </a:solidFill>
+                <a:latin typeface="Courier New" panose="02070309020205020404" pitchFamily="49" charset="0"/>
+              </a:rPr>
+              <a:t>;</a:t>
+            </a:r>
+            <a:endParaRPr lang="en-US" altLang="ko-KR" sz="1600" dirty="0">
+              <a:solidFill>
+                <a:srgbClr val="000000"/>
+              </a:solidFill>
+              <a:latin typeface="Courier New" panose="02070309020205020404" pitchFamily="49" charset="0"/>
+            </a:endParaRPr>
+          </a:p>
+          <a:p>
+            <a:endParaRPr lang="ko-KR" altLang="en-US" sz="1600" dirty="0">
+              <a:solidFill>
+                <a:srgbClr val="000000"/>
+              </a:solidFill>
+              <a:latin typeface="Courier New" panose="02070309020205020404" pitchFamily="49" charset="0"/>
+            </a:endParaRPr>
+          </a:p>
+          <a:p>
+            <a:r>
+              <a:rPr lang="en-US" altLang="ko-KR" sz="1600" dirty="0">
+                <a:solidFill>
+                  <a:srgbClr val="0000FF"/>
+                </a:solidFill>
+                <a:latin typeface="Courier New" panose="02070309020205020404" pitchFamily="49" charset="0"/>
+              </a:rPr>
+              <a:t>ALTER</a:t>
+            </a:r>
+            <a:r>
+              <a:rPr lang="en-US" altLang="ko-KR" sz="1600" dirty="0">
+                <a:solidFill>
+                  <a:srgbClr val="000000"/>
+                </a:solidFill>
+                <a:latin typeface="Courier New" panose="02070309020205020404" pitchFamily="49" charset="0"/>
+              </a:rPr>
+              <a:t> </a:t>
+            </a:r>
+            <a:r>
+              <a:rPr lang="en-US" altLang="ko-KR" sz="1600" dirty="0">
+                <a:solidFill>
+                  <a:srgbClr val="0000FF"/>
+                </a:solidFill>
+                <a:latin typeface="Courier New" panose="02070309020205020404" pitchFamily="49" charset="0"/>
+              </a:rPr>
+              <a:t>TABLE</a:t>
+            </a:r>
+            <a:r>
+              <a:rPr lang="en-US" altLang="ko-KR" sz="1600" dirty="0">
+                <a:solidFill>
+                  <a:srgbClr val="000000"/>
+                </a:solidFill>
+                <a:latin typeface="Courier New" panose="02070309020205020404" pitchFamily="49" charset="0"/>
+              </a:rPr>
+              <a:t> LETTEMP COMMENT </a:t>
+            </a:r>
+            <a:r>
+              <a:rPr lang="en-US" altLang="ko-KR" sz="1600" dirty="0">
+                <a:solidFill>
+                  <a:srgbClr val="808080"/>
+                </a:solidFill>
+                <a:latin typeface="Courier New" panose="02070309020205020404" pitchFamily="49" charset="0"/>
+              </a:rPr>
+              <a:t>=</a:t>
+            </a:r>
+            <a:r>
+              <a:rPr lang="en-US" altLang="ko-KR" sz="1600" dirty="0">
+                <a:solidFill>
+                  <a:srgbClr val="000000"/>
+                </a:solidFill>
+                <a:latin typeface="Courier New" panose="02070309020205020404" pitchFamily="49" charset="0"/>
+              </a:rPr>
+              <a:t> </a:t>
+            </a:r>
+            <a:r>
+              <a:rPr lang="en-US" altLang="ko-KR" sz="1600" dirty="0">
+                <a:solidFill>
+                  <a:srgbClr val="FF0000"/>
+                </a:solidFill>
+                <a:latin typeface="Courier New" panose="02070309020205020404" pitchFamily="49" charset="0"/>
+              </a:rPr>
+              <a:t>'</a:t>
+            </a:r>
+            <a:r>
+              <a:rPr lang="ko-KR" altLang="en-US" sz="1600" dirty="0">
+                <a:solidFill>
+                  <a:srgbClr val="FF0000"/>
+                </a:solidFill>
+                <a:latin typeface="Courier New" panose="02070309020205020404" pitchFamily="49" charset="0"/>
+              </a:rPr>
+              <a:t>임시데이터저장소</a:t>
+            </a:r>
+            <a:r>
+              <a:rPr lang="en-US" altLang="ko-KR" sz="1600" dirty="0">
+                <a:solidFill>
+                  <a:srgbClr val="FF0000"/>
+                </a:solidFill>
+                <a:latin typeface="Courier New" panose="02070309020205020404" pitchFamily="49" charset="0"/>
+              </a:rPr>
+              <a:t>'</a:t>
+            </a:r>
+            <a:r>
+              <a:rPr lang="en-US" altLang="ko-KR" sz="1600" dirty="0">
+                <a:solidFill>
+                  <a:srgbClr val="808080"/>
+                </a:solidFill>
+                <a:latin typeface="Courier New" panose="02070309020205020404" pitchFamily="49" charset="0"/>
+              </a:rPr>
+              <a:t>;</a:t>
+            </a:r>
+            <a:endParaRPr lang="ko-KR" altLang="en-US" sz="1600" dirty="0">
+              <a:solidFill>
+                <a:srgbClr val="000000"/>
+              </a:solidFill>
+              <a:latin typeface="Courier New" panose="02070309020205020404" pitchFamily="49" charset="0"/>
+            </a:endParaRPr>
+          </a:p>
+          <a:p>
+            <a:r>
+              <a:rPr lang="ko-KR" altLang="en-US" sz="1600" dirty="0">
+                <a:solidFill>
+                  <a:srgbClr val="000000"/>
+                </a:solidFill>
+                <a:latin typeface="Courier New" panose="02070309020205020404" pitchFamily="49" charset="0"/>
+              </a:rPr>
+              <a:t> </a:t>
+            </a:r>
+          </a:p>
+          <a:p>
+            <a:r>
+              <a:rPr lang="en-US" altLang="ko-KR" sz="1600" dirty="0">
+                <a:solidFill>
+                  <a:srgbClr val="000000"/>
+                </a:solidFill>
+                <a:latin typeface="Courier New" panose="02070309020205020404" pitchFamily="49" charset="0"/>
+              </a:rPr>
+              <a:t>    </a:t>
+            </a:r>
+            <a:r>
+              <a:rPr lang="en-US" altLang="ko-KR" sz="1600" dirty="0">
+                <a:solidFill>
+                  <a:srgbClr val="0000FF"/>
+                </a:solidFill>
+                <a:latin typeface="Courier New" panose="02070309020205020404" pitchFamily="49" charset="0"/>
+              </a:rPr>
+              <a:t>ALTER</a:t>
+            </a:r>
+            <a:r>
+              <a:rPr lang="en-US" altLang="ko-KR" sz="1600" dirty="0">
+                <a:solidFill>
+                  <a:srgbClr val="000000"/>
+                </a:solidFill>
+                <a:latin typeface="Courier New" panose="02070309020205020404" pitchFamily="49" charset="0"/>
+              </a:rPr>
+              <a:t> </a:t>
+            </a:r>
+            <a:r>
+              <a:rPr lang="en-US" altLang="ko-KR" sz="1600" dirty="0">
+                <a:solidFill>
+                  <a:srgbClr val="0000FF"/>
+                </a:solidFill>
+                <a:latin typeface="Courier New" panose="02070309020205020404" pitchFamily="49" charset="0"/>
+              </a:rPr>
+              <a:t>TABLE</a:t>
+            </a:r>
+            <a:r>
+              <a:rPr lang="en-US" altLang="ko-KR" sz="1600" dirty="0">
+                <a:solidFill>
+                  <a:srgbClr val="000000"/>
+                </a:solidFill>
+                <a:latin typeface="Courier New" panose="02070309020205020404" pitchFamily="49" charset="0"/>
+              </a:rPr>
+              <a:t> LETTEMP </a:t>
+            </a:r>
+            <a:r>
+              <a:rPr lang="en-US" altLang="ko-KR" sz="1600" dirty="0">
+                <a:solidFill>
+                  <a:srgbClr val="0000FF"/>
+                </a:solidFill>
+                <a:latin typeface="Courier New" panose="02070309020205020404" pitchFamily="49" charset="0"/>
+              </a:rPr>
+              <a:t>CHANGE</a:t>
+            </a:r>
+            <a:r>
+              <a:rPr lang="en-US" altLang="ko-KR" sz="1600" dirty="0">
+                <a:solidFill>
+                  <a:srgbClr val="000000"/>
+                </a:solidFill>
+                <a:latin typeface="Courier New" panose="02070309020205020404" pitchFamily="49" charset="0"/>
+              </a:rPr>
+              <a:t> </a:t>
+            </a:r>
+            <a:r>
+              <a:rPr lang="en-US" altLang="ko-KR" sz="1600" dirty="0">
+                <a:solidFill>
+                  <a:srgbClr val="0000FF"/>
+                </a:solidFill>
+                <a:latin typeface="Courier New" panose="02070309020205020404" pitchFamily="49" charset="0"/>
+              </a:rPr>
+              <a:t>COLUMN</a:t>
+            </a:r>
+            <a:r>
+              <a:rPr lang="en-US" altLang="ko-KR" sz="1600" dirty="0">
+                <a:solidFill>
+                  <a:srgbClr val="000000"/>
+                </a:solidFill>
+                <a:latin typeface="Courier New" panose="02070309020205020404" pitchFamily="49" charset="0"/>
+              </a:rPr>
+              <a:t> TEMP_ID </a:t>
+            </a:r>
+            <a:r>
+              <a:rPr lang="en-US" altLang="ko-KR" sz="1600" dirty="0" err="1">
+                <a:solidFill>
+                  <a:srgbClr val="000000"/>
+                </a:solidFill>
+                <a:latin typeface="Courier New" panose="02070309020205020404" pitchFamily="49" charset="0"/>
+              </a:rPr>
+              <a:t>TEMP_ID</a:t>
+            </a:r>
+            <a:r>
+              <a:rPr lang="en-US" altLang="ko-KR" sz="1600" dirty="0">
+                <a:solidFill>
+                  <a:srgbClr val="000000"/>
+                </a:solidFill>
+                <a:latin typeface="Courier New" panose="02070309020205020404" pitchFamily="49" charset="0"/>
+              </a:rPr>
+              <a:t> </a:t>
+            </a:r>
+            <a:r>
+              <a:rPr lang="en-US" altLang="ko-KR" sz="1600" b="1" dirty="0">
+                <a:solidFill>
+                  <a:srgbClr val="000000"/>
+                </a:solidFill>
+                <a:latin typeface="Courier New" panose="02070309020205020404" pitchFamily="49" charset="0"/>
+              </a:rPr>
+              <a:t>INTEGER</a:t>
+            </a:r>
+            <a:r>
+              <a:rPr lang="en-US" altLang="ko-KR" sz="1600" dirty="0">
+                <a:solidFill>
+                  <a:srgbClr val="000000"/>
+                </a:solidFill>
+                <a:latin typeface="Courier New" panose="02070309020205020404" pitchFamily="49" charset="0"/>
+              </a:rPr>
+              <a:t> </a:t>
+            </a:r>
+            <a:r>
+              <a:rPr lang="en-US" altLang="ko-KR" sz="1600" dirty="0">
+                <a:solidFill>
+                  <a:srgbClr val="0000FF"/>
+                </a:solidFill>
+                <a:latin typeface="Courier New" panose="02070309020205020404" pitchFamily="49" charset="0"/>
+              </a:rPr>
+              <a:t>NOT</a:t>
+            </a:r>
+            <a:r>
+              <a:rPr lang="en-US" altLang="ko-KR" sz="1600" dirty="0">
+                <a:solidFill>
+                  <a:srgbClr val="000000"/>
+                </a:solidFill>
+                <a:latin typeface="Courier New" panose="02070309020205020404" pitchFamily="49" charset="0"/>
+              </a:rPr>
+              <a:t> </a:t>
+            </a:r>
+            <a:r>
+              <a:rPr lang="en-US" altLang="ko-KR" sz="1600" dirty="0">
+                <a:solidFill>
+                  <a:srgbClr val="0000FF"/>
+                </a:solidFill>
+                <a:latin typeface="Courier New" panose="02070309020205020404" pitchFamily="49" charset="0"/>
+              </a:rPr>
+              <a:t>NULL</a:t>
+            </a:r>
+            <a:r>
+              <a:rPr lang="en-US" altLang="ko-KR" sz="1600" dirty="0">
+                <a:solidFill>
+                  <a:srgbClr val="000000"/>
+                </a:solidFill>
+                <a:latin typeface="Courier New" panose="02070309020205020404" pitchFamily="49" charset="0"/>
+              </a:rPr>
+              <a:t> COMMENT </a:t>
+            </a:r>
+            <a:r>
+              <a:rPr lang="en-US" altLang="ko-KR" sz="1600" dirty="0">
+                <a:solidFill>
+                  <a:srgbClr val="FF0000"/>
+                </a:solidFill>
+                <a:latin typeface="Courier New" panose="02070309020205020404" pitchFamily="49" charset="0"/>
+              </a:rPr>
+              <a:t>'</a:t>
+            </a:r>
+            <a:r>
+              <a:rPr lang="ko-KR" altLang="en-US" sz="1600" dirty="0">
+                <a:solidFill>
+                  <a:srgbClr val="FF0000"/>
+                </a:solidFill>
+                <a:latin typeface="Courier New" panose="02070309020205020404" pitchFamily="49" charset="0"/>
+              </a:rPr>
+              <a:t>임시데이터</a:t>
+            </a:r>
+            <a:r>
+              <a:rPr lang="en-US" altLang="ko-KR" sz="1600" dirty="0">
+                <a:solidFill>
+                  <a:srgbClr val="FF0000"/>
+                </a:solidFill>
+                <a:latin typeface="Courier New" panose="02070309020205020404" pitchFamily="49" charset="0"/>
+              </a:rPr>
+              <a:t>ID'</a:t>
+            </a:r>
+            <a:r>
+              <a:rPr lang="en-US" altLang="ko-KR" sz="1600" dirty="0">
+                <a:solidFill>
+                  <a:srgbClr val="808080"/>
+                </a:solidFill>
+                <a:latin typeface="Courier New" panose="02070309020205020404" pitchFamily="49" charset="0"/>
+              </a:rPr>
+              <a:t>;</a:t>
+            </a:r>
+            <a:endParaRPr lang="en-US" altLang="ko-KR" sz="1600" dirty="0">
+              <a:solidFill>
+                <a:srgbClr val="000000"/>
+              </a:solidFill>
+              <a:latin typeface="Courier New" panose="02070309020205020404" pitchFamily="49" charset="0"/>
+            </a:endParaRPr>
+          </a:p>
+          <a:p>
+            <a:r>
+              <a:rPr lang="en-US" altLang="ko-KR" sz="1600" dirty="0">
+                <a:solidFill>
+                  <a:srgbClr val="000000"/>
+                </a:solidFill>
+                <a:latin typeface="Courier New" panose="02070309020205020404" pitchFamily="49" charset="0"/>
+              </a:rPr>
+              <a:t>    </a:t>
+            </a:r>
+            <a:r>
+              <a:rPr lang="en-US" altLang="ko-KR" sz="1600" dirty="0">
+                <a:solidFill>
+                  <a:srgbClr val="0000FF"/>
+                </a:solidFill>
+                <a:latin typeface="Courier New" panose="02070309020205020404" pitchFamily="49" charset="0"/>
+              </a:rPr>
+              <a:t>ALTER</a:t>
+            </a:r>
+            <a:r>
+              <a:rPr lang="en-US" altLang="ko-KR" sz="1600" dirty="0">
+                <a:solidFill>
+                  <a:srgbClr val="000000"/>
+                </a:solidFill>
+                <a:latin typeface="Courier New" panose="02070309020205020404" pitchFamily="49" charset="0"/>
+              </a:rPr>
+              <a:t> </a:t>
+            </a:r>
+            <a:r>
+              <a:rPr lang="en-US" altLang="ko-KR" sz="1600" dirty="0">
+                <a:solidFill>
+                  <a:srgbClr val="0000FF"/>
+                </a:solidFill>
+                <a:latin typeface="Courier New" panose="02070309020205020404" pitchFamily="49" charset="0"/>
+              </a:rPr>
+              <a:t>TABLE</a:t>
+            </a:r>
+            <a:r>
+              <a:rPr lang="en-US" altLang="ko-KR" sz="1600" dirty="0">
+                <a:solidFill>
+                  <a:srgbClr val="000000"/>
+                </a:solidFill>
+                <a:latin typeface="Courier New" panose="02070309020205020404" pitchFamily="49" charset="0"/>
+              </a:rPr>
+              <a:t> LETTEMP </a:t>
+            </a:r>
+            <a:r>
+              <a:rPr lang="en-US" altLang="ko-KR" sz="1600" dirty="0">
+                <a:solidFill>
+                  <a:srgbClr val="0000FF"/>
+                </a:solidFill>
+                <a:latin typeface="Courier New" panose="02070309020205020404" pitchFamily="49" charset="0"/>
+              </a:rPr>
+              <a:t>CHANGE</a:t>
+            </a:r>
+            <a:r>
+              <a:rPr lang="en-US" altLang="ko-KR" sz="1600" dirty="0">
+                <a:solidFill>
+                  <a:srgbClr val="000000"/>
+                </a:solidFill>
+                <a:latin typeface="Courier New" panose="02070309020205020404" pitchFamily="49" charset="0"/>
+              </a:rPr>
+              <a:t> </a:t>
+            </a:r>
+            <a:r>
+              <a:rPr lang="en-US" altLang="ko-KR" sz="1600" dirty="0">
+                <a:solidFill>
+                  <a:srgbClr val="0000FF"/>
+                </a:solidFill>
+                <a:latin typeface="Courier New" panose="02070309020205020404" pitchFamily="49" charset="0"/>
+              </a:rPr>
+              <a:t>COLUMN</a:t>
+            </a:r>
+            <a:r>
+              <a:rPr lang="en-US" altLang="ko-KR" sz="1600" dirty="0">
+                <a:solidFill>
+                  <a:srgbClr val="000000"/>
+                </a:solidFill>
+                <a:latin typeface="Courier New" panose="02070309020205020404" pitchFamily="49" charset="0"/>
+              </a:rPr>
+              <a:t> TEMP_VAL </a:t>
+            </a:r>
+            <a:r>
+              <a:rPr lang="en-US" altLang="ko-KR" sz="1600" dirty="0" err="1">
+                <a:solidFill>
+                  <a:srgbClr val="000000"/>
+                </a:solidFill>
+                <a:latin typeface="Courier New" panose="02070309020205020404" pitchFamily="49" charset="0"/>
+              </a:rPr>
+              <a:t>TEMP_VAL</a:t>
+            </a:r>
+            <a:r>
+              <a:rPr lang="en-US" altLang="ko-KR" sz="1600" dirty="0">
+                <a:solidFill>
+                  <a:srgbClr val="000000"/>
+                </a:solidFill>
+                <a:latin typeface="Courier New" panose="02070309020205020404" pitchFamily="49" charset="0"/>
+              </a:rPr>
+              <a:t> </a:t>
+            </a:r>
+            <a:r>
+              <a:rPr lang="en-US" altLang="ko-KR" sz="1600" b="1" dirty="0">
+                <a:solidFill>
+                  <a:srgbClr val="000000"/>
+                </a:solidFill>
+                <a:latin typeface="Courier New" panose="02070309020205020404" pitchFamily="49" charset="0"/>
+              </a:rPr>
+              <a:t>VARCHAR</a:t>
+            </a:r>
+            <a:r>
+              <a:rPr lang="en-US" altLang="ko-KR" sz="1600" dirty="0">
+                <a:solidFill>
+                  <a:srgbClr val="000000"/>
+                </a:solidFill>
+                <a:latin typeface="Courier New" panose="02070309020205020404" pitchFamily="49" charset="0"/>
+              </a:rPr>
+              <a:t>(</a:t>
+            </a:r>
+            <a:r>
+              <a:rPr lang="en-US" altLang="ko-KR" sz="1600" b="1" dirty="0">
+                <a:solidFill>
+                  <a:srgbClr val="800000"/>
+                </a:solidFill>
+                <a:latin typeface="Courier New" panose="02070309020205020404" pitchFamily="49" charset="0"/>
+              </a:rPr>
+              <a:t>100</a:t>
+            </a:r>
+            <a:r>
+              <a:rPr lang="en-US" altLang="ko-KR" sz="1600" dirty="0">
+                <a:solidFill>
+                  <a:srgbClr val="000000"/>
+                </a:solidFill>
+                <a:latin typeface="Courier New" panose="02070309020205020404" pitchFamily="49" charset="0"/>
+              </a:rPr>
+              <a:t>) </a:t>
+            </a:r>
+            <a:r>
+              <a:rPr lang="en-US" altLang="ko-KR" sz="1600" dirty="0">
+                <a:solidFill>
+                  <a:srgbClr val="0000FF"/>
+                </a:solidFill>
+                <a:latin typeface="Courier New" panose="02070309020205020404" pitchFamily="49" charset="0"/>
+              </a:rPr>
+              <a:t>NULL</a:t>
+            </a:r>
+            <a:r>
+              <a:rPr lang="en-US" altLang="ko-KR" sz="1600" dirty="0">
+                <a:solidFill>
+                  <a:srgbClr val="000000"/>
+                </a:solidFill>
+                <a:latin typeface="Courier New" panose="02070309020205020404" pitchFamily="49" charset="0"/>
+              </a:rPr>
+              <a:t> COMMENT </a:t>
+            </a:r>
+            <a:r>
+              <a:rPr lang="en-US" altLang="ko-KR" sz="1600" dirty="0">
+                <a:solidFill>
+                  <a:srgbClr val="FF0000"/>
+                </a:solidFill>
+                <a:latin typeface="Courier New" panose="02070309020205020404" pitchFamily="49" charset="0"/>
+              </a:rPr>
+              <a:t>'</a:t>
+            </a:r>
+            <a:r>
+              <a:rPr lang="ko-KR" altLang="en-US" sz="1600" dirty="0" err="1">
+                <a:solidFill>
+                  <a:srgbClr val="FF0000"/>
+                </a:solidFill>
+                <a:latin typeface="Courier New" panose="02070309020205020404" pitchFamily="49" charset="0"/>
+              </a:rPr>
+              <a:t>임시데이터값</a:t>
+            </a:r>
+            <a:r>
+              <a:rPr lang="en-US" altLang="ko-KR" sz="1600" dirty="0">
+                <a:solidFill>
+                  <a:srgbClr val="FF0000"/>
+                </a:solidFill>
+                <a:latin typeface="Courier New" panose="02070309020205020404" pitchFamily="49" charset="0"/>
+              </a:rPr>
+              <a:t>'</a:t>
+            </a:r>
+            <a:r>
+              <a:rPr lang="en-US" altLang="ko-KR" sz="1600" dirty="0">
+                <a:solidFill>
+                  <a:srgbClr val="808080"/>
+                </a:solidFill>
+                <a:latin typeface="Courier New" panose="02070309020205020404" pitchFamily="49" charset="0"/>
+              </a:rPr>
+              <a:t>;</a:t>
+            </a:r>
+            <a:endParaRPr lang="ko-KR" altLang="en-US" sz="1600" dirty="0">
+              <a:solidFill>
+                <a:srgbClr val="000000"/>
+              </a:solidFill>
+              <a:latin typeface="Courier New" panose="02070309020205020404" pitchFamily="49" charset="0"/>
+            </a:endParaRPr>
+          </a:p>
+          <a:p>
+            <a:r>
+              <a:rPr lang="ko-KR" altLang="en-US" sz="1600" dirty="0">
+                <a:solidFill>
+                  <a:srgbClr val="000000"/>
+                </a:solidFill>
+                <a:latin typeface="Courier New" panose="02070309020205020404" pitchFamily="49" charset="0"/>
+              </a:rPr>
+              <a:t>    </a:t>
+            </a:r>
+          </a:p>
+          <a:p>
+            <a:r>
+              <a:rPr lang="en-US" altLang="ko-KR" sz="1600" dirty="0">
+                <a:solidFill>
+                  <a:srgbClr val="0000FF"/>
+                </a:solidFill>
+                <a:latin typeface="Courier New" panose="02070309020205020404" pitchFamily="49" charset="0"/>
+              </a:rPr>
+              <a:t>ALTER</a:t>
+            </a:r>
+            <a:r>
+              <a:rPr lang="en-US" altLang="ko-KR" sz="1600" dirty="0">
+                <a:solidFill>
+                  <a:srgbClr val="000000"/>
+                </a:solidFill>
+                <a:latin typeface="Courier New" panose="02070309020205020404" pitchFamily="49" charset="0"/>
+              </a:rPr>
+              <a:t> </a:t>
+            </a:r>
+            <a:r>
+              <a:rPr lang="en-US" altLang="ko-KR" sz="1600" dirty="0">
+                <a:solidFill>
+                  <a:srgbClr val="0000FF"/>
+                </a:solidFill>
+                <a:latin typeface="Courier New" panose="02070309020205020404" pitchFamily="49" charset="0"/>
+              </a:rPr>
+              <a:t>TABLE</a:t>
+            </a:r>
+            <a:r>
+              <a:rPr lang="en-US" altLang="ko-KR" sz="1600" dirty="0">
+                <a:solidFill>
+                  <a:srgbClr val="000000"/>
+                </a:solidFill>
+                <a:latin typeface="Courier New" panose="02070309020205020404" pitchFamily="49" charset="0"/>
+              </a:rPr>
+              <a:t> LETTEMP</a:t>
+            </a:r>
+          </a:p>
+          <a:p>
+            <a:r>
+              <a:rPr lang="en-US" altLang="ko-KR" sz="1600" dirty="0">
+                <a:solidFill>
+                  <a:srgbClr val="000000"/>
+                </a:solidFill>
+                <a:latin typeface="Courier New" panose="02070309020205020404" pitchFamily="49" charset="0"/>
+              </a:rPr>
+              <a:t> </a:t>
+            </a:r>
+            <a:r>
+              <a:rPr lang="en-US" altLang="ko-KR" sz="1600" dirty="0">
+                <a:solidFill>
+                  <a:srgbClr val="0000FF"/>
+                </a:solidFill>
+                <a:latin typeface="Courier New" panose="02070309020205020404" pitchFamily="49" charset="0"/>
+              </a:rPr>
+              <a:t>CHANGE</a:t>
+            </a:r>
+            <a:r>
+              <a:rPr lang="en-US" altLang="ko-KR" sz="1600" dirty="0">
+                <a:solidFill>
+                  <a:srgbClr val="000000"/>
+                </a:solidFill>
+                <a:latin typeface="Courier New" panose="02070309020205020404" pitchFamily="49" charset="0"/>
+              </a:rPr>
+              <a:t> TEMP_ID </a:t>
+            </a:r>
+            <a:r>
+              <a:rPr lang="en-US" altLang="ko-KR" sz="1600" dirty="0" err="1">
+                <a:solidFill>
+                  <a:srgbClr val="000000"/>
+                </a:solidFill>
+                <a:latin typeface="Courier New" panose="02070309020205020404" pitchFamily="49" charset="0"/>
+              </a:rPr>
+              <a:t>TEMP_ID</a:t>
+            </a:r>
+            <a:r>
+              <a:rPr lang="en-US" altLang="ko-KR" sz="1600" dirty="0">
+                <a:solidFill>
+                  <a:srgbClr val="000000"/>
+                </a:solidFill>
+                <a:latin typeface="Courier New" panose="02070309020205020404" pitchFamily="49" charset="0"/>
+              </a:rPr>
+              <a:t> </a:t>
+            </a:r>
+            <a:r>
+              <a:rPr lang="en-US" altLang="ko-KR" sz="1600" b="1" dirty="0">
+                <a:solidFill>
+                  <a:srgbClr val="000000"/>
+                </a:solidFill>
+                <a:latin typeface="Courier New" panose="02070309020205020404" pitchFamily="49" charset="0"/>
+              </a:rPr>
+              <a:t>INT</a:t>
+            </a:r>
+            <a:r>
+              <a:rPr lang="en-US" altLang="ko-KR" sz="1600" dirty="0">
+                <a:solidFill>
+                  <a:srgbClr val="000000"/>
+                </a:solidFill>
+                <a:latin typeface="Courier New" panose="02070309020205020404" pitchFamily="49" charset="0"/>
+              </a:rPr>
+              <a:t>(</a:t>
+            </a:r>
+            <a:r>
+              <a:rPr lang="en-US" altLang="ko-KR" sz="1600" b="1" dirty="0">
+                <a:solidFill>
+                  <a:srgbClr val="800000"/>
+                </a:solidFill>
+                <a:latin typeface="Courier New" panose="02070309020205020404" pitchFamily="49" charset="0"/>
+              </a:rPr>
+              <a:t>11</a:t>
+            </a:r>
+            <a:r>
+              <a:rPr lang="en-US" altLang="ko-KR" sz="1600" dirty="0">
+                <a:solidFill>
+                  <a:srgbClr val="000000"/>
+                </a:solidFill>
+                <a:latin typeface="Courier New" panose="02070309020205020404" pitchFamily="49" charset="0"/>
+              </a:rPr>
+              <a:t>) AUTO_INCREMENT </a:t>
+            </a:r>
+            <a:r>
+              <a:rPr lang="en-US" altLang="ko-KR" sz="1600" dirty="0">
+                <a:solidFill>
+                  <a:srgbClr val="0000FF"/>
+                </a:solidFill>
+                <a:latin typeface="Courier New" panose="02070309020205020404" pitchFamily="49" charset="0"/>
+              </a:rPr>
+              <a:t>NOT</a:t>
+            </a:r>
+            <a:r>
+              <a:rPr lang="en-US" altLang="ko-KR" sz="1600" dirty="0">
+                <a:solidFill>
+                  <a:srgbClr val="000000"/>
+                </a:solidFill>
+                <a:latin typeface="Courier New" panose="02070309020205020404" pitchFamily="49" charset="0"/>
+              </a:rPr>
+              <a:t> </a:t>
+            </a:r>
+            <a:r>
+              <a:rPr lang="en-US" altLang="ko-KR" sz="1600" dirty="0">
+                <a:solidFill>
+                  <a:srgbClr val="0000FF"/>
+                </a:solidFill>
+                <a:latin typeface="Courier New" panose="02070309020205020404" pitchFamily="49" charset="0"/>
+              </a:rPr>
+              <a:t>NULL</a:t>
+            </a:r>
+            <a:r>
+              <a:rPr lang="en-US" altLang="ko-KR" sz="1600" dirty="0">
+                <a:solidFill>
+                  <a:srgbClr val="000000"/>
+                </a:solidFill>
+                <a:latin typeface="Courier New" panose="02070309020205020404" pitchFamily="49" charset="0"/>
+              </a:rPr>
+              <a:t> COMMENT </a:t>
+            </a:r>
+            <a:r>
+              <a:rPr lang="en-US" altLang="ko-KR" sz="1600" dirty="0">
+                <a:solidFill>
+                  <a:srgbClr val="FF0000"/>
+                </a:solidFill>
+                <a:latin typeface="Courier New" panose="02070309020205020404" pitchFamily="49" charset="0"/>
+              </a:rPr>
+              <a:t>'</a:t>
+            </a:r>
+            <a:r>
+              <a:rPr lang="ko-KR" altLang="en-US" sz="1600" dirty="0">
+                <a:solidFill>
+                  <a:srgbClr val="FF0000"/>
+                </a:solidFill>
+                <a:latin typeface="Courier New" panose="02070309020205020404" pitchFamily="49" charset="0"/>
+              </a:rPr>
+              <a:t>임시데이터</a:t>
+            </a:r>
+            <a:r>
+              <a:rPr lang="en-US" altLang="ko-KR" sz="1600" dirty="0">
+                <a:solidFill>
+                  <a:srgbClr val="FF0000"/>
+                </a:solidFill>
+                <a:latin typeface="Courier New" panose="02070309020205020404" pitchFamily="49" charset="0"/>
+              </a:rPr>
+              <a:t>ID'</a:t>
+            </a:r>
+            <a:r>
+              <a:rPr lang="en-US" altLang="ko-KR" sz="1600" dirty="0">
+                <a:solidFill>
+                  <a:srgbClr val="808080"/>
+                </a:solidFill>
+                <a:latin typeface="Courier New" panose="02070309020205020404" pitchFamily="49" charset="0"/>
+              </a:rPr>
+              <a:t>;</a:t>
+            </a:r>
+            <a:endParaRPr lang="en-US" altLang="ko-KR" sz="1600" dirty="0">
+              <a:solidFill>
+                <a:srgbClr val="000000"/>
+              </a:solidFill>
+              <a:latin typeface="Courier New" panose="02070309020205020404" pitchFamily="49" charset="0"/>
+            </a:endParaRPr>
           </a:p>
         </p:txBody>
       </p:sp>
     </p:spTree>
     <p:extLst>
       <p:ext uri="{BB962C8B-B14F-4D97-AF65-F5344CB8AC3E}">
-        <p14:creationId xmlns:p14="http://schemas.microsoft.com/office/powerpoint/2010/main" val="2089002966"/>
+        <p14:creationId xmlns:p14="http://schemas.microsoft.com/office/powerpoint/2010/main" val="3848560012"/>
       </p:ext>
     </p:extLst>
   </p:cSld>
@@ -3617,10 +4449,10 @@
       </p:grpSpPr>
       <p:sp>
         <p:nvSpPr>
-          <p:cNvPr id="3" name="직사각형 2">
-            <a:extLst>
-              <a:ext uri="{FF2B5EF4-FFF2-40B4-BE49-F238E27FC236}">
-                <a16:creationId xmlns:a16="http://schemas.microsoft.com/office/drawing/2014/main" id="{FA8093CD-99BD-4E13-B919-3CA72F77D5D9}"/>
+          <p:cNvPr id="4" name="직사각형 3">
+            <a:extLst>
+              <a:ext uri="{FF2B5EF4-FFF2-40B4-BE49-F238E27FC236}">
+                <a16:creationId xmlns:a16="http://schemas.microsoft.com/office/drawing/2014/main" id="{03443B53-8874-49C0-BF3F-22678CEFA0C0}"/>
               </a:ext>
             </a:extLst>
           </p:cNvPr>
@@ -3629,15 +4461,15 @@
         </p:nvSpPr>
         <p:spPr>
           <a:xfrm>
-            <a:off x="89210" y="0"/>
-            <a:ext cx="12102790" cy="4524315"/>
+            <a:off x="276808" y="432328"/>
+            <a:ext cx="6096000" cy="1477328"/>
           </a:xfrm>
           <a:prstGeom prst="rect">
             <a:avLst/>
           </a:prstGeom>
         </p:spPr>
         <p:txBody>
-          <a:bodyPr wrap="square">
+          <a:bodyPr>
             <a:spAutoFit/>
           </a:bodyPr>
           <a:lstStyle/>
@@ -3645,31 +4477,29 @@
             <a:r>
               <a:rPr lang="en-US" altLang="ko-KR" dirty="0">
                 <a:solidFill>
-                  <a:srgbClr val="000000"/>
-                </a:solidFill>
-                <a:latin typeface="Courier New" panose="02070309020205020404" pitchFamily="49" charset="0"/>
-              </a:rPr>
-              <a:t>-- </a:t>
-            </a:r>
-            <a:r>
-              <a:rPr lang="ko-KR" altLang="en-US" dirty="0">
-                <a:solidFill>
-                  <a:srgbClr val="000000"/>
-                </a:solidFill>
-                <a:latin typeface="Courier New" panose="02070309020205020404" pitchFamily="49" charset="0"/>
-              </a:rPr>
-              <a:t>테이블 생성</a:t>
-            </a:r>
-          </a:p>
-          <a:p>
+                  <a:srgbClr val="0000FF"/>
+                </a:solidFill>
+                <a:latin typeface="Courier New" panose="02070309020205020404" pitchFamily="49" charset="0"/>
+              </a:rPr>
+              <a:t>INSERT</a:t>
+            </a:r>
             <a:r>
               <a:rPr lang="en-US" altLang="ko-KR" dirty="0">
                 <a:solidFill>
+                  <a:srgbClr val="000000"/>
+                </a:solidFill>
+                <a:latin typeface="Courier New" panose="02070309020205020404" pitchFamily="49" charset="0"/>
+              </a:rPr>
+              <a:t> </a:t>
+            </a:r>
+            <a:r>
+              <a:rPr lang="en-US" altLang="ko-KR" dirty="0">
+                <a:solidFill>
                   <a:srgbClr val="0000FF"/>
                 </a:solidFill>
                 <a:latin typeface="Courier New" panose="02070309020205020404" pitchFamily="49" charset="0"/>
               </a:rPr>
-              <a:t>CREATE</a:t>
+              <a:t>INTO</a:t>
             </a:r>
             <a:r>
               <a:rPr lang="en-US" altLang="ko-KR" dirty="0">
@@ -3681,13 +4511,53 @@
               <a:t> </a:t>
             </a:r>
             <a:r>
+              <a:rPr lang="en-US" altLang="ko-KR" dirty="0" err="1">
+                <a:solidFill>
+                  <a:srgbClr val="000000"/>
+                </a:solidFill>
+                <a:latin typeface="Courier New" panose="02070309020205020404" pitchFamily="49" charset="0"/>
+              </a:rPr>
+              <a:t>lettemp</a:t>
+            </a:r>
+            <a:r>
               <a:rPr lang="en-US" altLang="ko-KR" dirty="0">
                 <a:solidFill>
+                  <a:srgbClr val="000000"/>
+                </a:solidFill>
+                <a:latin typeface="Courier New" panose="02070309020205020404" pitchFamily="49" charset="0"/>
+              </a:rPr>
+              <a:t>(</a:t>
+            </a:r>
+          </a:p>
+          <a:p>
+            <a:r>
+              <a:rPr lang="en-US" altLang="ko-KR" dirty="0">
+                <a:solidFill>
+                  <a:srgbClr val="000000"/>
+                </a:solidFill>
+                <a:latin typeface="Courier New" panose="02070309020205020404" pitchFamily="49" charset="0"/>
+              </a:rPr>
+              <a:t>  TEMP_VAL</a:t>
+            </a:r>
+          </a:p>
+          <a:p>
+            <a:r>
+              <a:rPr lang="en-US" altLang="ko-KR" dirty="0">
+                <a:solidFill>
+                  <a:srgbClr val="000000"/>
+                </a:solidFill>
+                <a:latin typeface="Courier New" panose="02070309020205020404" pitchFamily="49" charset="0"/>
+              </a:rPr>
+              <a:t>) </a:t>
+            </a:r>
+            <a:r>
+              <a:rPr lang="en-US" altLang="ko-KR" dirty="0">
+                <a:solidFill>
                   <a:srgbClr val="0000FF"/>
                 </a:solidFill>
                 <a:latin typeface="Courier New" panose="02070309020205020404" pitchFamily="49" charset="0"/>
               </a:rPr>
-              <a:t>TABLE</a:t>
+              <a:t>VALUES</a:t>
             </a:r>
             <a:r>
               <a:rPr lang="en-US" altLang="ko-KR" dirty="0">
@@ -3696,7 +4566,7 @@
                 </a:solidFill>
                 <a:latin typeface="Courier New" panose="02070309020205020404" pitchFamily="49" charset="0"/>
               </a:rPr>
-              <a:t> LETTEMP</a:t>
+              <a:t> (</a:t>
             </a:r>
           </a:p>
           <a:p>
@@ -3707,146 +4577,16 @@
                 </a:solidFill>
                 <a:latin typeface="Courier New" panose="02070309020205020404" pitchFamily="49" charset="0"/>
               </a:rPr>
-              <a:t>(</a:t>
-            </a:r>
-          </a:p>
-          <a:p>
-            <a:r>
-              <a:rPr lang="sv-SE" altLang="ko-KR" dirty="0">
-                <a:solidFill>
-                  <a:srgbClr val="000000"/>
-                </a:solidFill>
-                <a:latin typeface="Courier New" panose="02070309020205020404" pitchFamily="49" charset="0"/>
-              </a:rPr>
-              <a:t>TEMP_VAL             </a:t>
-            </a:r>
-            <a:r>
-              <a:rPr lang="sv-SE" altLang="ko-KR" b="1" dirty="0">
-                <a:solidFill>
-                  <a:srgbClr val="000000"/>
-                </a:solidFill>
-                <a:latin typeface="Courier New" panose="02070309020205020404" pitchFamily="49" charset="0"/>
-              </a:rPr>
-              <a:t>VARCHAR</a:t>
-            </a:r>
-            <a:r>
-              <a:rPr lang="sv-SE" altLang="ko-KR" dirty="0">
-                <a:solidFill>
-                  <a:srgbClr val="000000"/>
-                </a:solidFill>
-                <a:latin typeface="Courier New" panose="02070309020205020404" pitchFamily="49" charset="0"/>
-              </a:rPr>
-              <a:t>(</a:t>
-            </a:r>
-            <a:r>
-              <a:rPr lang="sv-SE" altLang="ko-KR" b="1" dirty="0">
-                <a:solidFill>
-                  <a:srgbClr val="800000"/>
-                </a:solidFill>
-                <a:latin typeface="Courier New" panose="02070309020205020404" pitchFamily="49" charset="0"/>
-              </a:rPr>
-              <a:t>100</a:t>
-            </a:r>
-            <a:r>
-              <a:rPr lang="sv-SE" altLang="ko-KR" dirty="0">
-                <a:solidFill>
-                  <a:srgbClr val="000000"/>
-                </a:solidFill>
-                <a:latin typeface="Courier New" panose="02070309020205020404" pitchFamily="49" charset="0"/>
-              </a:rPr>
-              <a:t>) </a:t>
-            </a:r>
-            <a:r>
-              <a:rPr lang="sv-SE" altLang="ko-KR" dirty="0">
-                <a:solidFill>
-                  <a:srgbClr val="0000FF"/>
-                </a:solidFill>
-                <a:latin typeface="Courier New" panose="02070309020205020404" pitchFamily="49" charset="0"/>
-              </a:rPr>
-              <a:t>NULL</a:t>
-            </a:r>
-            <a:r>
-              <a:rPr lang="sv-SE" altLang="ko-KR" dirty="0">
-                <a:solidFill>
-                  <a:srgbClr val="000000"/>
-                </a:solidFill>
-                <a:latin typeface="Courier New" panose="02070309020205020404" pitchFamily="49" charset="0"/>
-              </a:rPr>
-              <a:t>,</a:t>
-            </a:r>
-          </a:p>
-          <a:p>
+              <a:t>  </a:t>
+            </a:r>
             <a:r>
               <a:rPr lang="en-US" altLang="ko-KR" dirty="0">
                 <a:solidFill>
-                  <a:srgbClr val="000000"/>
-                </a:solidFill>
-                <a:latin typeface="Courier New" panose="02070309020205020404" pitchFamily="49" charset="0"/>
-              </a:rPr>
-              <a:t>TEMP_ID              </a:t>
-            </a:r>
-            <a:r>
-              <a:rPr lang="en-US" altLang="ko-KR" dirty="0">
-                <a:solidFill>
-                  <a:srgbClr val="FF00FF"/>
-                </a:solidFill>
-                <a:latin typeface="Courier New" panose="02070309020205020404" pitchFamily="49" charset="0"/>
-              </a:rPr>
-              <a:t>CHAR</a:t>
-            </a:r>
-            <a:r>
-              <a:rPr lang="en-US" altLang="ko-KR" dirty="0">
-                <a:solidFill>
-                  <a:srgbClr val="000000"/>
-                </a:solidFill>
-                <a:latin typeface="Courier New" panose="02070309020205020404" pitchFamily="49" charset="0"/>
-              </a:rPr>
-              <a:t>(</a:t>
-            </a:r>
-            <a:r>
-              <a:rPr lang="en-US" altLang="ko-KR" b="1" dirty="0">
-                <a:solidFill>
-                  <a:srgbClr val="800000"/>
-                </a:solidFill>
-                <a:latin typeface="Courier New" panose="02070309020205020404" pitchFamily="49" charset="0"/>
-              </a:rPr>
-              <a:t>20</a:t>
-            </a:r>
-            <a:r>
-              <a:rPr lang="en-US" altLang="ko-KR" dirty="0">
-                <a:solidFill>
-                  <a:srgbClr val="000000"/>
-                </a:solidFill>
-                <a:latin typeface="Courier New" panose="02070309020205020404" pitchFamily="49" charset="0"/>
-              </a:rPr>
-              <a:t>) </a:t>
-            </a:r>
-            <a:r>
-              <a:rPr lang="en-US" altLang="ko-KR" dirty="0">
-                <a:solidFill>
-                  <a:srgbClr val="0000FF"/>
-                </a:solidFill>
-                <a:latin typeface="Courier New" panose="02070309020205020404" pitchFamily="49" charset="0"/>
-              </a:rPr>
-              <a:t>NOT</a:t>
-            </a:r>
-            <a:r>
-              <a:rPr lang="en-US" altLang="ko-KR" dirty="0">
-                <a:solidFill>
-                  <a:srgbClr val="000000"/>
-                </a:solidFill>
-                <a:latin typeface="Courier New" panose="02070309020205020404" pitchFamily="49" charset="0"/>
-              </a:rPr>
-              <a:t> </a:t>
-            </a:r>
-            <a:r>
-              <a:rPr lang="en-US" altLang="ko-KR" dirty="0">
-                <a:solidFill>
-                  <a:srgbClr val="0000FF"/>
-                </a:solidFill>
-                <a:latin typeface="Courier New" panose="02070309020205020404" pitchFamily="49" charset="0"/>
-              </a:rPr>
-              <a:t>NULL</a:t>
+                  <a:srgbClr val="FF0000"/>
+                </a:solidFill>
+                <a:latin typeface="Courier New" panose="02070309020205020404" pitchFamily="49" charset="0"/>
+              </a:rPr>
+              <a:t>'first'</a:t>
             </a:r>
             <a:endParaRPr lang="en-US" altLang="ko-KR" dirty="0">
               <a:solidFill>
@@ -3865,674 +4605,14 @@
               </a:rPr>
               <a:t>)</a:t>
             </a:r>
-            <a:r>
-              <a:rPr lang="en-US" altLang="ko-KR" dirty="0">
-                <a:solidFill>
-                  <a:srgbClr val="808080"/>
-                </a:solidFill>
-                <a:latin typeface="Courier New" panose="02070309020205020404" pitchFamily="49" charset="0"/>
-              </a:rPr>
-              <a:t>;</a:t>
-            </a:r>
-            <a:endParaRPr lang="ko-KR" altLang="en-US" dirty="0">
-              <a:solidFill>
-                <a:srgbClr val="000000"/>
-              </a:solidFill>
-              <a:latin typeface="Courier New" panose="02070309020205020404" pitchFamily="49" charset="0"/>
-            </a:endParaRPr>
-          </a:p>
-          <a:p>
-            <a:endParaRPr lang="ko-KR" altLang="en-US" dirty="0">
-              <a:solidFill>
-                <a:srgbClr val="000000"/>
-              </a:solidFill>
-              <a:latin typeface="Courier New" panose="02070309020205020404" pitchFamily="49" charset="0"/>
-            </a:endParaRPr>
-          </a:p>
-          <a:p>
-            <a:r>
-              <a:rPr lang="en-US" altLang="ko-KR" dirty="0">
-                <a:solidFill>
-                  <a:srgbClr val="0000FF"/>
-                </a:solidFill>
-                <a:latin typeface="Courier New" panose="02070309020205020404" pitchFamily="49" charset="0"/>
-              </a:rPr>
-              <a:t>ALTER</a:t>
-            </a:r>
-            <a:r>
-              <a:rPr lang="en-US" altLang="ko-KR" dirty="0">
-                <a:solidFill>
-                  <a:srgbClr val="000000"/>
-                </a:solidFill>
-                <a:latin typeface="Courier New" panose="02070309020205020404" pitchFamily="49" charset="0"/>
-              </a:rPr>
-              <a:t> </a:t>
-            </a:r>
-            <a:r>
-              <a:rPr lang="en-US" altLang="ko-KR" dirty="0">
-                <a:solidFill>
-                  <a:srgbClr val="0000FF"/>
-                </a:solidFill>
-                <a:latin typeface="Courier New" panose="02070309020205020404" pitchFamily="49" charset="0"/>
-              </a:rPr>
-              <a:t>TABLE</a:t>
-            </a:r>
-            <a:r>
-              <a:rPr lang="en-US" altLang="ko-KR" dirty="0">
-                <a:solidFill>
-                  <a:srgbClr val="000000"/>
-                </a:solidFill>
-                <a:latin typeface="Courier New" panose="02070309020205020404" pitchFamily="49" charset="0"/>
-              </a:rPr>
-              <a:t> LETTEMP</a:t>
-            </a:r>
-          </a:p>
-          <a:p>
-            <a:r>
-              <a:rPr lang="en-US" altLang="ko-KR" dirty="0">
-                <a:solidFill>
-                  <a:srgbClr val="0000FF"/>
-                </a:solidFill>
-                <a:latin typeface="Courier New" panose="02070309020205020404" pitchFamily="49" charset="0"/>
-              </a:rPr>
-              <a:t>ADD</a:t>
-            </a:r>
-            <a:r>
-              <a:rPr lang="en-US" altLang="ko-KR" dirty="0">
-                <a:solidFill>
-                  <a:srgbClr val="000000"/>
-                </a:solidFill>
-                <a:latin typeface="Courier New" panose="02070309020205020404" pitchFamily="49" charset="0"/>
-              </a:rPr>
-              <a:t> </a:t>
-            </a:r>
-            <a:r>
-              <a:rPr lang="en-US" altLang="ko-KR" dirty="0">
-                <a:solidFill>
-                  <a:srgbClr val="0000FF"/>
-                </a:solidFill>
-                <a:latin typeface="Courier New" panose="02070309020205020404" pitchFamily="49" charset="0"/>
-              </a:rPr>
-              <a:t>PRIMARY</a:t>
-            </a:r>
-            <a:r>
-              <a:rPr lang="en-US" altLang="ko-KR" dirty="0">
-                <a:solidFill>
-                  <a:srgbClr val="000000"/>
-                </a:solidFill>
-                <a:latin typeface="Courier New" panose="02070309020205020404" pitchFamily="49" charset="0"/>
-              </a:rPr>
-              <a:t> </a:t>
-            </a:r>
-            <a:r>
-              <a:rPr lang="en-US" altLang="ko-KR" dirty="0">
-                <a:solidFill>
-                  <a:srgbClr val="0000FF"/>
-                </a:solidFill>
-                <a:latin typeface="Courier New" panose="02070309020205020404" pitchFamily="49" charset="0"/>
-              </a:rPr>
-              <a:t>KEY</a:t>
-            </a:r>
-            <a:r>
-              <a:rPr lang="en-US" altLang="ko-KR" dirty="0">
-                <a:solidFill>
-                  <a:srgbClr val="000000"/>
-                </a:solidFill>
-                <a:latin typeface="Courier New" panose="02070309020205020404" pitchFamily="49" charset="0"/>
-              </a:rPr>
-              <a:t> (TEMP_ID)</a:t>
-            </a:r>
-            <a:r>
-              <a:rPr lang="en-US" altLang="ko-KR" dirty="0">
-                <a:solidFill>
-                  <a:srgbClr val="808080"/>
-                </a:solidFill>
-                <a:latin typeface="Courier New" panose="02070309020205020404" pitchFamily="49" charset="0"/>
-              </a:rPr>
-              <a:t>;</a:t>
-            </a:r>
-            <a:endParaRPr lang="en-US" altLang="ko-KR" dirty="0">
-              <a:solidFill>
-                <a:srgbClr val="000000"/>
-              </a:solidFill>
-              <a:latin typeface="Courier New" panose="02070309020205020404" pitchFamily="49" charset="0"/>
-            </a:endParaRPr>
-          </a:p>
-          <a:p>
-            <a:endParaRPr lang="ko-KR" altLang="en-US" dirty="0">
-              <a:solidFill>
-                <a:srgbClr val="000000"/>
-              </a:solidFill>
-              <a:latin typeface="Courier New" panose="02070309020205020404" pitchFamily="49" charset="0"/>
-            </a:endParaRPr>
-          </a:p>
-          <a:p>
-            <a:r>
-              <a:rPr lang="en-US" altLang="ko-KR" dirty="0">
-                <a:solidFill>
-                  <a:srgbClr val="0000FF"/>
-                </a:solidFill>
-                <a:latin typeface="Courier New" panose="02070309020205020404" pitchFamily="49" charset="0"/>
-              </a:rPr>
-              <a:t>ALTER</a:t>
-            </a:r>
-            <a:r>
-              <a:rPr lang="en-US" altLang="ko-KR" dirty="0">
-                <a:solidFill>
-                  <a:srgbClr val="000000"/>
-                </a:solidFill>
-                <a:latin typeface="Courier New" panose="02070309020205020404" pitchFamily="49" charset="0"/>
-              </a:rPr>
-              <a:t> </a:t>
-            </a:r>
-            <a:r>
-              <a:rPr lang="en-US" altLang="ko-KR" dirty="0">
-                <a:solidFill>
-                  <a:srgbClr val="0000FF"/>
-                </a:solidFill>
-                <a:latin typeface="Courier New" panose="02070309020205020404" pitchFamily="49" charset="0"/>
-              </a:rPr>
-              <a:t>TABLE</a:t>
-            </a:r>
-            <a:r>
-              <a:rPr lang="en-US" altLang="ko-KR" dirty="0">
-                <a:solidFill>
-                  <a:srgbClr val="000000"/>
-                </a:solidFill>
-                <a:latin typeface="Courier New" panose="02070309020205020404" pitchFamily="49" charset="0"/>
-              </a:rPr>
-              <a:t> LETTEMP COMMENT </a:t>
-            </a:r>
-            <a:r>
-              <a:rPr lang="en-US" altLang="ko-KR" dirty="0">
-                <a:solidFill>
-                  <a:srgbClr val="808080"/>
-                </a:solidFill>
-                <a:latin typeface="Courier New" panose="02070309020205020404" pitchFamily="49" charset="0"/>
-              </a:rPr>
-              <a:t>=</a:t>
-            </a:r>
-            <a:r>
-              <a:rPr lang="en-US" altLang="ko-KR" dirty="0">
-                <a:solidFill>
-                  <a:srgbClr val="000000"/>
-                </a:solidFill>
-                <a:latin typeface="Courier New" panose="02070309020205020404" pitchFamily="49" charset="0"/>
-              </a:rPr>
-              <a:t> </a:t>
-            </a:r>
-            <a:r>
-              <a:rPr lang="en-US" altLang="ko-KR" dirty="0">
-                <a:solidFill>
-                  <a:srgbClr val="FF0000"/>
-                </a:solidFill>
-                <a:latin typeface="Courier New" panose="02070309020205020404" pitchFamily="49" charset="0"/>
-              </a:rPr>
-              <a:t>'</a:t>
-            </a:r>
-            <a:r>
-              <a:rPr lang="ko-KR" altLang="en-US" dirty="0">
-                <a:solidFill>
-                  <a:srgbClr val="FF0000"/>
-                </a:solidFill>
-                <a:latin typeface="Courier New" panose="02070309020205020404" pitchFamily="49" charset="0"/>
-              </a:rPr>
-              <a:t>임시데이터저장소</a:t>
-            </a:r>
-            <a:r>
-              <a:rPr lang="en-US" altLang="ko-KR" dirty="0">
-                <a:solidFill>
-                  <a:srgbClr val="FF0000"/>
-                </a:solidFill>
-                <a:latin typeface="Courier New" panose="02070309020205020404" pitchFamily="49" charset="0"/>
-              </a:rPr>
-              <a:t>'</a:t>
-            </a:r>
-            <a:r>
-              <a:rPr lang="en-US" altLang="ko-KR" dirty="0">
-                <a:solidFill>
-                  <a:srgbClr val="808080"/>
-                </a:solidFill>
-                <a:latin typeface="Courier New" panose="02070309020205020404" pitchFamily="49" charset="0"/>
-              </a:rPr>
-              <a:t>;</a:t>
-            </a:r>
-            <a:endParaRPr lang="ko-KR" altLang="en-US" dirty="0">
-              <a:solidFill>
-                <a:srgbClr val="000000"/>
-              </a:solidFill>
-              <a:latin typeface="Courier New" panose="02070309020205020404" pitchFamily="49" charset="0"/>
-            </a:endParaRPr>
-          </a:p>
-          <a:p>
-            <a:r>
-              <a:rPr lang="ko-KR" altLang="en-US" dirty="0">
-                <a:solidFill>
-                  <a:srgbClr val="000000"/>
-                </a:solidFill>
-                <a:latin typeface="Courier New" panose="02070309020205020404" pitchFamily="49" charset="0"/>
-              </a:rPr>
-              <a:t> </a:t>
-            </a:r>
-          </a:p>
-          <a:p>
-            <a:r>
-              <a:rPr lang="en-US" altLang="ko-KR" dirty="0">
-                <a:solidFill>
-                  <a:srgbClr val="000000"/>
-                </a:solidFill>
-                <a:latin typeface="Courier New" panose="02070309020205020404" pitchFamily="49" charset="0"/>
-              </a:rPr>
-              <a:t>    </a:t>
-            </a:r>
-            <a:r>
-              <a:rPr lang="en-US" altLang="ko-KR" dirty="0">
-                <a:solidFill>
-                  <a:srgbClr val="0000FF"/>
-                </a:solidFill>
-                <a:latin typeface="Courier New" panose="02070309020205020404" pitchFamily="49" charset="0"/>
-              </a:rPr>
-              <a:t>ALTER</a:t>
-            </a:r>
-            <a:r>
-              <a:rPr lang="en-US" altLang="ko-KR" dirty="0">
-                <a:solidFill>
-                  <a:srgbClr val="000000"/>
-                </a:solidFill>
-                <a:latin typeface="Courier New" panose="02070309020205020404" pitchFamily="49" charset="0"/>
-              </a:rPr>
-              <a:t> </a:t>
-            </a:r>
-            <a:r>
-              <a:rPr lang="en-US" altLang="ko-KR" dirty="0">
-                <a:solidFill>
-                  <a:srgbClr val="0000FF"/>
-                </a:solidFill>
-                <a:latin typeface="Courier New" panose="02070309020205020404" pitchFamily="49" charset="0"/>
-              </a:rPr>
-              <a:t>TABLE</a:t>
-            </a:r>
-            <a:r>
-              <a:rPr lang="en-US" altLang="ko-KR" dirty="0">
-                <a:solidFill>
-                  <a:srgbClr val="000000"/>
-                </a:solidFill>
-                <a:latin typeface="Courier New" panose="02070309020205020404" pitchFamily="49" charset="0"/>
-              </a:rPr>
-              <a:t> LETTEMP </a:t>
-            </a:r>
-            <a:r>
-              <a:rPr lang="en-US" altLang="ko-KR" dirty="0">
-                <a:solidFill>
-                  <a:srgbClr val="0000FF"/>
-                </a:solidFill>
-                <a:latin typeface="Courier New" panose="02070309020205020404" pitchFamily="49" charset="0"/>
-              </a:rPr>
-              <a:t>CHANGE</a:t>
-            </a:r>
-            <a:r>
-              <a:rPr lang="en-US" altLang="ko-KR" dirty="0">
-                <a:solidFill>
-                  <a:srgbClr val="000000"/>
-                </a:solidFill>
-                <a:latin typeface="Courier New" panose="02070309020205020404" pitchFamily="49" charset="0"/>
-              </a:rPr>
-              <a:t> </a:t>
-            </a:r>
-            <a:r>
-              <a:rPr lang="en-US" altLang="ko-KR" dirty="0">
-                <a:solidFill>
-                  <a:srgbClr val="0000FF"/>
-                </a:solidFill>
-                <a:latin typeface="Courier New" panose="02070309020205020404" pitchFamily="49" charset="0"/>
-              </a:rPr>
-              <a:t>COLUMN</a:t>
-            </a:r>
-            <a:r>
-              <a:rPr lang="en-US" altLang="ko-KR" dirty="0">
-                <a:solidFill>
-                  <a:srgbClr val="000000"/>
-                </a:solidFill>
-                <a:latin typeface="Courier New" panose="02070309020205020404" pitchFamily="49" charset="0"/>
-              </a:rPr>
-              <a:t> TEMP_ID </a:t>
-            </a:r>
-            <a:r>
-              <a:rPr lang="en-US" altLang="ko-KR" dirty="0" err="1">
-                <a:solidFill>
-                  <a:srgbClr val="000000"/>
-                </a:solidFill>
-                <a:latin typeface="Courier New" panose="02070309020205020404" pitchFamily="49" charset="0"/>
-              </a:rPr>
-              <a:t>TEMP_ID</a:t>
-            </a:r>
-            <a:r>
-              <a:rPr lang="en-US" altLang="ko-KR" dirty="0">
-                <a:solidFill>
-                  <a:srgbClr val="000000"/>
-                </a:solidFill>
-                <a:latin typeface="Courier New" panose="02070309020205020404" pitchFamily="49" charset="0"/>
-              </a:rPr>
-              <a:t> </a:t>
-            </a:r>
-            <a:r>
-              <a:rPr lang="en-US" altLang="ko-KR" dirty="0">
-                <a:solidFill>
-                  <a:srgbClr val="FF00FF"/>
-                </a:solidFill>
-                <a:latin typeface="Courier New" panose="02070309020205020404" pitchFamily="49" charset="0"/>
-              </a:rPr>
-              <a:t>CHAR</a:t>
-            </a:r>
-            <a:r>
-              <a:rPr lang="en-US" altLang="ko-KR" dirty="0">
-                <a:solidFill>
-                  <a:srgbClr val="000000"/>
-                </a:solidFill>
-                <a:latin typeface="Courier New" panose="02070309020205020404" pitchFamily="49" charset="0"/>
-              </a:rPr>
-              <a:t>(</a:t>
-            </a:r>
-            <a:r>
-              <a:rPr lang="en-US" altLang="ko-KR" b="1" dirty="0">
-                <a:solidFill>
-                  <a:srgbClr val="800000"/>
-                </a:solidFill>
-                <a:latin typeface="Courier New" panose="02070309020205020404" pitchFamily="49" charset="0"/>
-              </a:rPr>
-              <a:t>20</a:t>
-            </a:r>
-            <a:r>
-              <a:rPr lang="en-US" altLang="ko-KR" dirty="0">
-                <a:solidFill>
-                  <a:srgbClr val="000000"/>
-                </a:solidFill>
-                <a:latin typeface="Courier New" panose="02070309020205020404" pitchFamily="49" charset="0"/>
-              </a:rPr>
-              <a:t>) </a:t>
-            </a:r>
-            <a:r>
-              <a:rPr lang="en-US" altLang="ko-KR" dirty="0">
-                <a:solidFill>
-                  <a:srgbClr val="0000FF"/>
-                </a:solidFill>
-                <a:latin typeface="Courier New" panose="02070309020205020404" pitchFamily="49" charset="0"/>
-              </a:rPr>
-              <a:t>NOT</a:t>
-            </a:r>
-            <a:r>
-              <a:rPr lang="en-US" altLang="ko-KR" dirty="0">
-                <a:solidFill>
-                  <a:srgbClr val="000000"/>
-                </a:solidFill>
-                <a:latin typeface="Courier New" panose="02070309020205020404" pitchFamily="49" charset="0"/>
-              </a:rPr>
-              <a:t> </a:t>
-            </a:r>
-            <a:r>
-              <a:rPr lang="en-US" altLang="ko-KR" dirty="0">
-                <a:solidFill>
-                  <a:srgbClr val="0000FF"/>
-                </a:solidFill>
-                <a:latin typeface="Courier New" panose="02070309020205020404" pitchFamily="49" charset="0"/>
-              </a:rPr>
-              <a:t>NULL</a:t>
-            </a:r>
-            <a:r>
-              <a:rPr lang="en-US" altLang="ko-KR" dirty="0">
-                <a:solidFill>
-                  <a:srgbClr val="000000"/>
-                </a:solidFill>
-                <a:latin typeface="Courier New" panose="02070309020205020404" pitchFamily="49" charset="0"/>
-              </a:rPr>
-              <a:t> COMMENT </a:t>
-            </a:r>
-            <a:r>
-              <a:rPr lang="en-US" altLang="ko-KR" dirty="0">
-                <a:solidFill>
-                  <a:srgbClr val="FF0000"/>
-                </a:solidFill>
-                <a:latin typeface="Courier New" panose="02070309020205020404" pitchFamily="49" charset="0"/>
-              </a:rPr>
-              <a:t>'</a:t>
-            </a:r>
-            <a:r>
-              <a:rPr lang="ko-KR" altLang="en-US" dirty="0">
-                <a:solidFill>
-                  <a:srgbClr val="FF0000"/>
-                </a:solidFill>
-                <a:latin typeface="Courier New" panose="02070309020205020404" pitchFamily="49" charset="0"/>
-              </a:rPr>
-              <a:t>임시데이터</a:t>
-            </a:r>
-            <a:r>
-              <a:rPr lang="en-US" altLang="ko-KR" dirty="0">
-                <a:solidFill>
-                  <a:srgbClr val="FF0000"/>
-                </a:solidFill>
-                <a:latin typeface="Courier New" panose="02070309020205020404" pitchFamily="49" charset="0"/>
-              </a:rPr>
-              <a:t>ID'</a:t>
-            </a:r>
-            <a:r>
-              <a:rPr lang="en-US" altLang="ko-KR" dirty="0">
-                <a:solidFill>
-                  <a:srgbClr val="808080"/>
-                </a:solidFill>
-                <a:latin typeface="Courier New" panose="02070309020205020404" pitchFamily="49" charset="0"/>
-              </a:rPr>
-              <a:t>;</a:t>
-            </a:r>
-            <a:endParaRPr lang="en-US" altLang="ko-KR" dirty="0">
-              <a:solidFill>
-                <a:srgbClr val="000000"/>
-              </a:solidFill>
-              <a:latin typeface="Courier New" panose="02070309020205020404" pitchFamily="49" charset="0"/>
-            </a:endParaRPr>
-          </a:p>
-          <a:p>
-            <a:r>
-              <a:rPr lang="en-US" altLang="ko-KR" dirty="0">
-                <a:solidFill>
-                  <a:srgbClr val="000000"/>
-                </a:solidFill>
-                <a:latin typeface="Courier New" panose="02070309020205020404" pitchFamily="49" charset="0"/>
-              </a:rPr>
-              <a:t>    </a:t>
-            </a:r>
-            <a:r>
-              <a:rPr lang="en-US" altLang="ko-KR" dirty="0">
-                <a:solidFill>
-                  <a:srgbClr val="0000FF"/>
-                </a:solidFill>
-                <a:latin typeface="Courier New" panose="02070309020205020404" pitchFamily="49" charset="0"/>
-              </a:rPr>
-              <a:t>ALTER</a:t>
-            </a:r>
-            <a:r>
-              <a:rPr lang="en-US" altLang="ko-KR" dirty="0">
-                <a:solidFill>
-                  <a:srgbClr val="000000"/>
-                </a:solidFill>
-                <a:latin typeface="Courier New" panose="02070309020205020404" pitchFamily="49" charset="0"/>
-              </a:rPr>
-              <a:t> </a:t>
-            </a:r>
-            <a:r>
-              <a:rPr lang="en-US" altLang="ko-KR" dirty="0">
-                <a:solidFill>
-                  <a:srgbClr val="0000FF"/>
-                </a:solidFill>
-                <a:latin typeface="Courier New" panose="02070309020205020404" pitchFamily="49" charset="0"/>
-              </a:rPr>
-              <a:t>TABLE</a:t>
-            </a:r>
-            <a:r>
-              <a:rPr lang="en-US" altLang="ko-KR" dirty="0">
-                <a:solidFill>
-                  <a:srgbClr val="000000"/>
-                </a:solidFill>
-                <a:latin typeface="Courier New" panose="02070309020205020404" pitchFamily="49" charset="0"/>
-              </a:rPr>
-              <a:t> LETTEMP </a:t>
-            </a:r>
-            <a:r>
-              <a:rPr lang="en-US" altLang="ko-KR" dirty="0">
-                <a:solidFill>
-                  <a:srgbClr val="0000FF"/>
-                </a:solidFill>
-                <a:latin typeface="Courier New" panose="02070309020205020404" pitchFamily="49" charset="0"/>
-              </a:rPr>
-              <a:t>CHANGE</a:t>
-            </a:r>
-            <a:r>
-              <a:rPr lang="en-US" altLang="ko-KR" dirty="0">
-                <a:solidFill>
-                  <a:srgbClr val="000000"/>
-                </a:solidFill>
-                <a:latin typeface="Courier New" panose="02070309020205020404" pitchFamily="49" charset="0"/>
-              </a:rPr>
-              <a:t> </a:t>
-            </a:r>
-            <a:r>
-              <a:rPr lang="en-US" altLang="ko-KR" dirty="0">
-                <a:solidFill>
-                  <a:srgbClr val="0000FF"/>
-                </a:solidFill>
-                <a:latin typeface="Courier New" panose="02070309020205020404" pitchFamily="49" charset="0"/>
-              </a:rPr>
-              <a:t>COLUMN</a:t>
-            </a:r>
-            <a:r>
-              <a:rPr lang="en-US" altLang="ko-KR" dirty="0">
-                <a:solidFill>
-                  <a:srgbClr val="000000"/>
-                </a:solidFill>
-                <a:latin typeface="Courier New" panose="02070309020205020404" pitchFamily="49" charset="0"/>
-              </a:rPr>
-              <a:t> TEMP_VAL </a:t>
-            </a:r>
-            <a:r>
-              <a:rPr lang="en-US" altLang="ko-KR" dirty="0" err="1">
-                <a:solidFill>
-                  <a:srgbClr val="000000"/>
-                </a:solidFill>
-                <a:latin typeface="Courier New" panose="02070309020205020404" pitchFamily="49" charset="0"/>
-              </a:rPr>
-              <a:t>TEMP_VAL</a:t>
-            </a:r>
-            <a:r>
-              <a:rPr lang="en-US" altLang="ko-KR" dirty="0">
-                <a:solidFill>
-                  <a:srgbClr val="000000"/>
-                </a:solidFill>
-                <a:latin typeface="Courier New" panose="02070309020205020404" pitchFamily="49" charset="0"/>
-              </a:rPr>
-              <a:t> </a:t>
-            </a:r>
-            <a:r>
-              <a:rPr lang="en-US" altLang="ko-KR" b="1" dirty="0">
-                <a:solidFill>
-                  <a:srgbClr val="000000"/>
-                </a:solidFill>
-                <a:latin typeface="Courier New" panose="02070309020205020404" pitchFamily="49" charset="0"/>
-              </a:rPr>
-              <a:t>VARCHAR</a:t>
-            </a:r>
-            <a:r>
-              <a:rPr lang="en-US" altLang="ko-KR" dirty="0">
-                <a:solidFill>
-                  <a:srgbClr val="000000"/>
-                </a:solidFill>
-                <a:latin typeface="Courier New" panose="02070309020205020404" pitchFamily="49" charset="0"/>
-              </a:rPr>
-              <a:t>(</a:t>
-            </a:r>
-            <a:r>
-              <a:rPr lang="en-US" altLang="ko-KR" b="1" dirty="0">
-                <a:solidFill>
-                  <a:srgbClr val="800000"/>
-                </a:solidFill>
-                <a:latin typeface="Courier New" panose="02070309020205020404" pitchFamily="49" charset="0"/>
-              </a:rPr>
-              <a:t>100</a:t>
-            </a:r>
-            <a:r>
-              <a:rPr lang="en-US" altLang="ko-KR" dirty="0">
-                <a:solidFill>
-                  <a:srgbClr val="000000"/>
-                </a:solidFill>
-                <a:latin typeface="Courier New" panose="02070309020205020404" pitchFamily="49" charset="0"/>
-              </a:rPr>
-              <a:t>) </a:t>
-            </a:r>
-            <a:r>
-              <a:rPr lang="en-US" altLang="ko-KR" dirty="0">
-                <a:solidFill>
-                  <a:srgbClr val="0000FF"/>
-                </a:solidFill>
-                <a:latin typeface="Courier New" panose="02070309020205020404" pitchFamily="49" charset="0"/>
-              </a:rPr>
-              <a:t>NULL</a:t>
-            </a:r>
-            <a:r>
-              <a:rPr lang="en-US" altLang="ko-KR" dirty="0">
-                <a:solidFill>
-                  <a:srgbClr val="000000"/>
-                </a:solidFill>
-                <a:latin typeface="Courier New" panose="02070309020205020404" pitchFamily="49" charset="0"/>
-              </a:rPr>
-              <a:t> COMMENT </a:t>
-            </a:r>
-            <a:r>
-              <a:rPr lang="en-US" altLang="ko-KR" dirty="0">
-                <a:solidFill>
-                  <a:srgbClr val="FF0000"/>
-                </a:solidFill>
-                <a:latin typeface="Courier New" panose="02070309020205020404" pitchFamily="49" charset="0"/>
-              </a:rPr>
-              <a:t>'</a:t>
-            </a:r>
-            <a:r>
-              <a:rPr lang="ko-KR" altLang="en-US" dirty="0" err="1">
-                <a:solidFill>
-                  <a:srgbClr val="FF0000"/>
-                </a:solidFill>
-                <a:latin typeface="Courier New" panose="02070309020205020404" pitchFamily="49" charset="0"/>
-              </a:rPr>
-              <a:t>임시데이터값</a:t>
-            </a:r>
-            <a:r>
-              <a:rPr lang="en-US" altLang="ko-KR" dirty="0">
-                <a:solidFill>
-                  <a:srgbClr val="FF0000"/>
-                </a:solidFill>
-                <a:latin typeface="Courier New" panose="02070309020205020404" pitchFamily="49" charset="0"/>
-              </a:rPr>
-              <a:t>’</a:t>
-            </a:r>
-            <a:r>
-              <a:rPr lang="en-US" altLang="ko-KR" dirty="0">
-                <a:solidFill>
-                  <a:srgbClr val="808080"/>
-                </a:solidFill>
-                <a:latin typeface="Courier New" panose="02070309020205020404" pitchFamily="49" charset="0"/>
-              </a:rPr>
-              <a:t>;</a:t>
-            </a:r>
-            <a:endParaRPr lang="ko-KR" altLang="en-US" dirty="0">
-              <a:solidFill>
-                <a:srgbClr val="000000"/>
-              </a:solidFill>
-              <a:latin typeface="Courier New" panose="02070309020205020404" pitchFamily="49" charset="0"/>
-            </a:endParaRPr>
+            <a:endParaRPr lang="ko-KR" altLang="en-US" dirty="0"/>
           </a:p>
         </p:txBody>
       </p:sp>
     </p:spTree>
     <p:extLst>
       <p:ext uri="{BB962C8B-B14F-4D97-AF65-F5344CB8AC3E}">
-        <p14:creationId xmlns:p14="http://schemas.microsoft.com/office/powerpoint/2010/main" val="3848560012"/>
+        <p14:creationId xmlns:p14="http://schemas.microsoft.com/office/powerpoint/2010/main" val="4207897136"/>
       </p:ext>
     </p:extLst>
   </p:cSld>
@@ -4543,6 +4623,293 @@
 </file>
 
 <file path=ppt/slides/slide3.xml><?xml version="1.0" encoding="utf-8"?>
+<p:sld xmlns:a="http://schemas.openxmlformats.org/drawingml/2006/main" xmlns:r="http://schemas.openxmlformats.org/officeDocument/2006/relationships" xmlns:p="http://schemas.openxmlformats.org/presentationml/2006/main">
+  <p:cSld>
+    <p:spTree>
+      <p:nvGrpSpPr>
+        <p:cNvPr id="1" name=""/>
+        <p:cNvGrpSpPr/>
+        <p:nvPr/>
+      </p:nvGrpSpPr>
+      <p:grpSpPr>
+        <a:xfrm>
+          <a:off x="0" y="0"/>
+          <a:ext cx="0" cy="0"/>
+          <a:chOff x="0" y="0"/>
+          <a:chExt cx="0" cy="0"/>
+        </a:xfrm>
+      </p:grpSpPr>
+      <p:sp>
+        <p:nvSpPr>
+          <p:cNvPr id="4" name="직사각형 3">
+            <a:extLst>
+              <a:ext uri="{FF2B5EF4-FFF2-40B4-BE49-F238E27FC236}">
+                <a16:creationId xmlns:a16="http://schemas.microsoft.com/office/drawing/2014/main" id="{9DAE012D-F0B3-4044-9D19-11F27813A93E}"/>
+              </a:ext>
+            </a:extLst>
+          </p:cNvPr>
+          <p:cNvSpPr/>
+          <p:nvPr/>
+        </p:nvSpPr>
+        <p:spPr>
+          <a:xfrm>
+            <a:off x="575387" y="380151"/>
+            <a:ext cx="9156441" cy="3416320"/>
+          </a:xfrm>
+          <a:prstGeom prst="rect">
+            <a:avLst/>
+          </a:prstGeom>
+        </p:spPr>
+        <p:txBody>
+          <a:bodyPr wrap="square">
+            <a:spAutoFit/>
+          </a:bodyPr>
+          <a:lstStyle/>
+          <a:p>
+            <a:r>
+              <a:rPr lang="en-US" altLang="ko-KR" dirty="0">
+                <a:solidFill>
+                  <a:srgbClr val="83786E"/>
+                </a:solidFill>
+                <a:latin typeface="Consolas" panose="020B0609020204030204" pitchFamily="49" charset="0"/>
+              </a:rPr>
+              <a:t>&lt;!-- Validator --&gt;</a:t>
+            </a:r>
+          </a:p>
+          <a:p>
+            <a:r>
+              <a:rPr lang="en-US" altLang="ko-KR" dirty="0">
+                <a:latin typeface="Consolas" panose="020B0609020204030204" pitchFamily="49" charset="0"/>
+              </a:rPr>
+              <a:t>&lt;dependency&gt;</a:t>
+            </a:r>
+          </a:p>
+          <a:p>
+            <a:r>
+              <a:rPr lang="en-US" altLang="ko-KR" dirty="0">
+                <a:latin typeface="Consolas" panose="020B0609020204030204" pitchFamily="49" charset="0"/>
+              </a:rPr>
+              <a:t>	&lt;</a:t>
+            </a:r>
+            <a:r>
+              <a:rPr lang="en-US" altLang="ko-KR" dirty="0" err="1">
+                <a:latin typeface="Consolas" panose="020B0609020204030204" pitchFamily="49" charset="0"/>
+              </a:rPr>
+              <a:t>groupId</a:t>
+            </a:r>
+            <a:r>
+              <a:rPr lang="en-US" altLang="ko-KR" dirty="0">
+                <a:latin typeface="Consolas" panose="020B0609020204030204" pitchFamily="49" charset="0"/>
+              </a:rPr>
+              <a:t>&gt;</a:t>
+            </a:r>
+            <a:r>
+              <a:rPr lang="en-US" altLang="ko-KR" dirty="0" err="1">
+                <a:latin typeface="Consolas" panose="020B0609020204030204" pitchFamily="49" charset="0"/>
+              </a:rPr>
+              <a:t>javax.validation</a:t>
+            </a:r>
+            <a:r>
+              <a:rPr lang="en-US" altLang="ko-KR" dirty="0">
+                <a:latin typeface="Consolas" panose="020B0609020204030204" pitchFamily="49" charset="0"/>
+              </a:rPr>
+              <a:t>&lt;/</a:t>
+            </a:r>
+            <a:r>
+              <a:rPr lang="en-US" altLang="ko-KR" dirty="0" err="1">
+                <a:latin typeface="Consolas" panose="020B0609020204030204" pitchFamily="49" charset="0"/>
+              </a:rPr>
+              <a:t>groupId</a:t>
+            </a:r>
+            <a:r>
+              <a:rPr lang="en-US" altLang="ko-KR" dirty="0">
+                <a:latin typeface="Consolas" panose="020B0609020204030204" pitchFamily="49" charset="0"/>
+              </a:rPr>
+              <a:t>&gt;</a:t>
+            </a:r>
+          </a:p>
+          <a:p>
+            <a:r>
+              <a:rPr lang="en-US" altLang="ko-KR" dirty="0">
+                <a:latin typeface="Consolas" panose="020B0609020204030204" pitchFamily="49" charset="0"/>
+              </a:rPr>
+              <a:t>	&lt;</a:t>
+            </a:r>
+            <a:r>
+              <a:rPr lang="en-US" altLang="ko-KR" dirty="0" err="1">
+                <a:latin typeface="Consolas" panose="020B0609020204030204" pitchFamily="49" charset="0"/>
+              </a:rPr>
+              <a:t>artifactId</a:t>
+            </a:r>
+            <a:r>
+              <a:rPr lang="en-US" altLang="ko-KR" dirty="0">
+                <a:latin typeface="Consolas" panose="020B0609020204030204" pitchFamily="49" charset="0"/>
+              </a:rPr>
+              <a:t>&gt;validation-</a:t>
+            </a:r>
+            <a:r>
+              <a:rPr lang="en-US" altLang="ko-KR" dirty="0" err="1">
+                <a:latin typeface="Consolas" panose="020B0609020204030204" pitchFamily="49" charset="0"/>
+              </a:rPr>
+              <a:t>api</a:t>
+            </a:r>
+            <a:r>
+              <a:rPr lang="en-US" altLang="ko-KR" dirty="0">
+                <a:latin typeface="Consolas" panose="020B0609020204030204" pitchFamily="49" charset="0"/>
+              </a:rPr>
+              <a:t>&lt;/</a:t>
+            </a:r>
+            <a:r>
+              <a:rPr lang="en-US" altLang="ko-KR" dirty="0" err="1">
+                <a:latin typeface="Consolas" panose="020B0609020204030204" pitchFamily="49" charset="0"/>
+              </a:rPr>
+              <a:t>artifactId</a:t>
+            </a:r>
+            <a:r>
+              <a:rPr lang="en-US" altLang="ko-KR" dirty="0">
+                <a:latin typeface="Consolas" panose="020B0609020204030204" pitchFamily="49" charset="0"/>
+              </a:rPr>
+              <a:t>&gt;</a:t>
+            </a:r>
+          </a:p>
+          <a:p>
+            <a:r>
+              <a:rPr lang="en-US" altLang="ko-KR" dirty="0">
+                <a:latin typeface="Consolas" panose="020B0609020204030204" pitchFamily="49" charset="0"/>
+              </a:rPr>
+              <a:t>	&lt;version&gt;1.1.0.Final&lt;/version&gt;</a:t>
+            </a:r>
+          </a:p>
+          <a:p>
+            <a:r>
+              <a:rPr lang="en-US" altLang="ko-KR" dirty="0">
+                <a:latin typeface="Consolas" panose="020B0609020204030204" pitchFamily="49" charset="0"/>
+              </a:rPr>
+              <a:t>&lt;/dependency&gt;</a:t>
+            </a:r>
+          </a:p>
+          <a:p>
+            <a:endParaRPr lang="ko-KR" altLang="en-US" dirty="0">
+              <a:latin typeface="Consolas" panose="020B0609020204030204" pitchFamily="49" charset="0"/>
+            </a:endParaRPr>
+          </a:p>
+          <a:p>
+            <a:r>
+              <a:rPr lang="en-US" altLang="ko-KR" dirty="0">
+                <a:latin typeface="Consolas" panose="020B0609020204030204" pitchFamily="49" charset="0"/>
+              </a:rPr>
+              <a:t>&lt;dependency&gt;</a:t>
+            </a:r>
+          </a:p>
+          <a:p>
+            <a:r>
+              <a:rPr lang="en-US" altLang="ko-KR" dirty="0">
+                <a:latin typeface="Consolas" panose="020B0609020204030204" pitchFamily="49" charset="0"/>
+              </a:rPr>
+              <a:t>	&lt;</a:t>
+            </a:r>
+            <a:r>
+              <a:rPr lang="en-US" altLang="ko-KR" dirty="0" err="1">
+                <a:latin typeface="Consolas" panose="020B0609020204030204" pitchFamily="49" charset="0"/>
+              </a:rPr>
+              <a:t>groupId</a:t>
+            </a:r>
+            <a:r>
+              <a:rPr lang="en-US" altLang="ko-KR" dirty="0">
+                <a:latin typeface="Consolas" panose="020B0609020204030204" pitchFamily="49" charset="0"/>
+              </a:rPr>
+              <a:t>&gt;</a:t>
+            </a:r>
+            <a:r>
+              <a:rPr lang="en-US" altLang="ko-KR" dirty="0" err="1">
+                <a:latin typeface="Consolas" panose="020B0609020204030204" pitchFamily="49" charset="0"/>
+              </a:rPr>
+              <a:t>org.hibernate</a:t>
+            </a:r>
+            <a:r>
+              <a:rPr lang="en-US" altLang="ko-KR" dirty="0">
+                <a:latin typeface="Consolas" panose="020B0609020204030204" pitchFamily="49" charset="0"/>
+              </a:rPr>
+              <a:t>&lt;/</a:t>
+            </a:r>
+            <a:r>
+              <a:rPr lang="en-US" altLang="ko-KR" dirty="0" err="1">
+                <a:latin typeface="Consolas" panose="020B0609020204030204" pitchFamily="49" charset="0"/>
+              </a:rPr>
+              <a:t>groupId</a:t>
+            </a:r>
+            <a:r>
+              <a:rPr lang="en-US" altLang="ko-KR" dirty="0">
+                <a:latin typeface="Consolas" panose="020B0609020204030204" pitchFamily="49" charset="0"/>
+              </a:rPr>
+              <a:t>&gt;</a:t>
+            </a:r>
+          </a:p>
+          <a:p>
+            <a:r>
+              <a:rPr lang="en-US" altLang="ko-KR" dirty="0">
+                <a:latin typeface="Consolas" panose="020B0609020204030204" pitchFamily="49" charset="0"/>
+              </a:rPr>
+              <a:t>	&lt;</a:t>
+            </a:r>
+            <a:r>
+              <a:rPr lang="en-US" altLang="ko-KR" dirty="0" err="1">
+                <a:latin typeface="Consolas" panose="020B0609020204030204" pitchFamily="49" charset="0"/>
+              </a:rPr>
+              <a:t>artifactId</a:t>
+            </a:r>
+            <a:r>
+              <a:rPr lang="en-US" altLang="ko-KR" dirty="0">
+                <a:latin typeface="Consolas" panose="020B0609020204030204" pitchFamily="49" charset="0"/>
+              </a:rPr>
+              <a:t>&gt;hibernate-validator&lt;/</a:t>
+            </a:r>
+            <a:r>
+              <a:rPr lang="en-US" altLang="ko-KR" dirty="0" err="1">
+                <a:latin typeface="Consolas" panose="020B0609020204030204" pitchFamily="49" charset="0"/>
+              </a:rPr>
+              <a:t>artifactId</a:t>
+            </a:r>
+            <a:r>
+              <a:rPr lang="en-US" altLang="ko-KR" dirty="0">
+                <a:latin typeface="Consolas" panose="020B0609020204030204" pitchFamily="49" charset="0"/>
+              </a:rPr>
+              <a:t>&gt;</a:t>
+            </a:r>
+          </a:p>
+          <a:p>
+            <a:r>
+              <a:rPr lang="en-US" altLang="ko-KR" dirty="0">
+                <a:latin typeface="Consolas" panose="020B0609020204030204" pitchFamily="49" charset="0"/>
+              </a:rPr>
+              <a:t>       &lt;version&gt;5.2.4.Final&lt;/version&gt;</a:t>
+            </a:r>
+          </a:p>
+          <a:p>
+            <a:r>
+              <a:rPr lang="en-US" altLang="ko-KR" dirty="0">
+                <a:latin typeface="Consolas" panose="020B0609020204030204" pitchFamily="49" charset="0"/>
+              </a:rPr>
+              <a:t>&lt;/dependency&gt;</a:t>
+            </a:r>
+            <a:endParaRPr lang="ko-KR" altLang="en-US" dirty="0"/>
+          </a:p>
+        </p:txBody>
+      </p:sp>
+    </p:spTree>
+    <p:extLst>
+      <p:ext uri="{BB962C8B-B14F-4D97-AF65-F5344CB8AC3E}">
+        <p14:creationId xmlns:p14="http://schemas.microsoft.com/office/powerpoint/2010/main" val="2089002966"/>
+      </p:ext>
+    </p:extLst>
+  </p:cSld>
+  <p:clrMapOvr>
+    <a:masterClrMapping/>
+  </p:clrMapOvr>
+</p:sld>
+</file>
+
+<file path=ppt/slides/slide4.xml><?xml version="1.0" encoding="utf-8"?>
 <p:sld xmlns:a="http://schemas.openxmlformats.org/drawingml/2006/main" xmlns:r="http://schemas.openxmlformats.org/officeDocument/2006/relationships" xmlns:p="http://schemas.openxmlformats.org/presentationml/2006/main">
   <p:cSld>
     <p:spTree>
